--- a/Poster Board.pptx
+++ b/Poster Board.pptx
@@ -2006,7 +2006,7 @@
           <a:p>
             <a:fld id="{985D6BDF-9D0E-4E2B-85B8-D8F4790360C9}" type="datetimeFigureOut">
               <a:rPr lang="en-US" smtClean="0"/>
-              <a:t>5/21/2019</a:t>
+              <a:t>5/21/19</a:t>
             </a:fld>
             <a:endParaRPr lang="en-US" dirty="0"/>
           </a:p>
@@ -2217,7 +2217,7 @@
           <a:p>
             <a:fld id="{985D6BDF-9D0E-4E2B-85B8-D8F4790360C9}" type="datetimeFigureOut">
               <a:rPr lang="en-US" smtClean="0"/>
-              <a:t>5/21/2019</a:t>
+              <a:t>5/21/19</a:t>
             </a:fld>
             <a:endParaRPr lang="en-US" dirty="0"/>
           </a:p>
@@ -2660,7 +2660,6 @@
             <a:noFill/>
           </a:ln>
           <a:effectLst/>
-          <a:extLst/>
         </p:spPr>
         <p:txBody>
           <a:bodyPr lIns="137137" tIns="91440" rIns="137137" bIns="91440" anchor="ctr" anchorCtr="0">
@@ -3024,7 +3023,7 @@
         <p:spPr bwMode="auto">
           <a:xfrm>
             <a:off x="11502203" y="14564486"/>
-            <a:ext cx="20848320" cy="3715627"/>
+            <a:ext cx="20848320" cy="4098501"/>
           </a:xfrm>
           <a:prstGeom prst="rect">
             <a:avLst/>
@@ -4751,7 +4750,7 @@
         </p:nvSpPr>
         <p:spPr>
           <a:xfrm>
-            <a:off x="11521390" y="19518650"/>
+            <a:off x="11521390" y="19061450"/>
             <a:ext cx="20848320" cy="1264196"/>
           </a:xfrm>
           <a:prstGeom prst="rect">
@@ -4801,444 +4800,1247 @@
           </a:p>
         </p:txBody>
       </p:sp>
-      <p:sp>
-        <p:nvSpPr>
-          <p:cNvPr id="70" name="Text Box 194">
-            <a:extLst>
-              <a:ext uri="{FF2B5EF4-FFF2-40B4-BE49-F238E27FC236}">
-                <a16:creationId xmlns:a16="http://schemas.microsoft.com/office/drawing/2014/main" id="{BC3A650A-72CF-42EB-ACE0-4EEDC4EBD24A}"/>
-              </a:ext>
-            </a:extLst>
-          </p:cNvPr>
-          <p:cNvSpPr txBox="1">
-            <a:spLocks noChangeArrowheads="1"/>
-          </p:cNvSpPr>
-          <p:nvPr/>
-        </p:nvSpPr>
-        <p:spPr bwMode="auto">
-          <a:xfrm>
-            <a:off x="11521390" y="20834595"/>
-            <a:ext cx="20848320" cy="10636005"/>
-          </a:xfrm>
-          <a:prstGeom prst="rect">
-            <a:avLst/>
-          </a:prstGeom>
-          <a:solidFill>
-            <a:schemeClr val="bg1"/>
-          </a:solidFill>
-          <a:ln w="12700">
-            <a:solidFill>
-              <a:schemeClr val="accent1">
-                <a:lumMod val="75000"/>
-              </a:schemeClr>
-            </a:solidFill>
-          </a:ln>
-          <a:effectLst/>
-        </p:spPr>
-        <p:txBody>
-          <a:bodyPr lIns="137137" tIns="137137" rIns="137137" bIns="137137">
-            <a:noAutofit/>
-          </a:bodyPr>
-          <a:lstStyle>
-            <a:lvl1pPr eaLnBrk="0" hangingPunct="0">
-              <a:defRPr sz="2200">
-                <a:solidFill>
-                  <a:schemeClr val="tx1"/>
-                </a:solidFill>
-                <a:latin typeface="Arial" charset="0"/>
-              </a:defRPr>
-            </a:lvl1pPr>
-            <a:lvl2pPr marL="742950" indent="-285750" eaLnBrk="0" hangingPunct="0">
-              <a:defRPr sz="2200">
-                <a:solidFill>
-                  <a:schemeClr val="tx1"/>
-                </a:solidFill>
-                <a:latin typeface="Arial" charset="0"/>
-              </a:defRPr>
-            </a:lvl2pPr>
-            <a:lvl3pPr marL="1143000" indent="-228600" eaLnBrk="0" hangingPunct="0">
-              <a:defRPr sz="2200">
-                <a:solidFill>
-                  <a:schemeClr val="tx1"/>
-                </a:solidFill>
-                <a:latin typeface="Arial" charset="0"/>
-              </a:defRPr>
-            </a:lvl3pPr>
-            <a:lvl4pPr marL="1600200" indent="-228600" eaLnBrk="0" hangingPunct="0">
-              <a:defRPr sz="2200">
-                <a:solidFill>
-                  <a:schemeClr val="tx1"/>
-                </a:solidFill>
-                <a:latin typeface="Arial" charset="0"/>
-              </a:defRPr>
-            </a:lvl4pPr>
-            <a:lvl5pPr marL="2057400" indent="-228600" eaLnBrk="0" hangingPunct="0">
-              <a:defRPr sz="2200">
-                <a:solidFill>
-                  <a:schemeClr val="tx1"/>
-                </a:solidFill>
-                <a:latin typeface="Arial" charset="0"/>
-              </a:defRPr>
-            </a:lvl5pPr>
-            <a:lvl6pPr marL="2514600" indent="-228600" eaLnBrk="0" fontAlgn="base" hangingPunct="0">
-              <a:spcBef>
-                <a:spcPct val="0"/>
-              </a:spcBef>
-              <a:spcAft>
-                <a:spcPct val="0"/>
-              </a:spcAft>
-              <a:defRPr sz="2200">
-                <a:solidFill>
-                  <a:schemeClr val="tx1"/>
-                </a:solidFill>
-                <a:latin typeface="Arial" charset="0"/>
-              </a:defRPr>
-            </a:lvl6pPr>
-            <a:lvl7pPr marL="2971800" indent="-228600" eaLnBrk="0" fontAlgn="base" hangingPunct="0">
-              <a:spcBef>
-                <a:spcPct val="0"/>
-              </a:spcBef>
-              <a:spcAft>
-                <a:spcPct val="0"/>
-              </a:spcAft>
-              <a:defRPr sz="2200">
-                <a:solidFill>
-                  <a:schemeClr val="tx1"/>
-                </a:solidFill>
-                <a:latin typeface="Arial" charset="0"/>
-              </a:defRPr>
-            </a:lvl7pPr>
-            <a:lvl8pPr marL="3429000" indent="-228600" eaLnBrk="0" fontAlgn="base" hangingPunct="0">
-              <a:spcBef>
-                <a:spcPct val="0"/>
-              </a:spcBef>
-              <a:spcAft>
-                <a:spcPct val="0"/>
-              </a:spcAft>
-              <a:defRPr sz="2200">
-                <a:solidFill>
-                  <a:schemeClr val="tx1"/>
-                </a:solidFill>
-                <a:latin typeface="Arial" charset="0"/>
-              </a:defRPr>
-            </a:lvl8pPr>
-            <a:lvl9pPr marL="3886200" indent="-228600" eaLnBrk="0" fontAlgn="base" hangingPunct="0">
-              <a:spcBef>
-                <a:spcPct val="0"/>
-              </a:spcBef>
-              <a:spcAft>
-                <a:spcPct val="0"/>
-              </a:spcAft>
-              <a:defRPr sz="2200">
-                <a:solidFill>
-                  <a:schemeClr val="tx1"/>
-                </a:solidFill>
-                <a:latin typeface="Arial" charset="0"/>
-              </a:defRPr>
-            </a:lvl9pPr>
-          </a:lstStyle>
-          <a:p>
-            <a:pPr eaLnBrk="1" hangingPunct="1"/>
-            <a:r>
-              <a:rPr lang="en-US" sz="3200" dirty="0">
-                <a:latin typeface="Calibri" pitchFamily="34" charset="0"/>
-              </a:rPr>
-              <a:t>Lots of stuff goes here</a:t>
-            </a:r>
-          </a:p>
-        </p:txBody>
-      </p:sp>
-      <p:sp>
-        <p:nvSpPr>
-          <p:cNvPr id="72" name="Text Box 189">
-            <a:extLst>
-              <a:ext uri="{FF2B5EF4-FFF2-40B4-BE49-F238E27FC236}">
-                <a16:creationId xmlns:a16="http://schemas.microsoft.com/office/drawing/2014/main" id="{0219791F-E202-47C3-80A0-325B3B154188}"/>
-              </a:ext>
-            </a:extLst>
-          </p:cNvPr>
-          <p:cNvSpPr txBox="1">
-            <a:spLocks noChangeArrowheads="1"/>
-          </p:cNvSpPr>
-          <p:nvPr/>
-        </p:nvSpPr>
-        <p:spPr bwMode="auto">
-          <a:xfrm>
-            <a:off x="33186119" y="1696401"/>
-            <a:ext cx="9144000" cy="11079910"/>
-          </a:xfrm>
-          <a:prstGeom prst="rect">
-            <a:avLst/>
-          </a:prstGeom>
-          <a:solidFill>
-            <a:schemeClr val="bg1"/>
-          </a:solidFill>
-          <a:ln w="12700">
-            <a:solidFill>
-              <a:schemeClr val="accent1">
-                <a:lumMod val="75000"/>
-              </a:schemeClr>
-            </a:solidFill>
-          </a:ln>
-          <a:effectLst/>
-        </p:spPr>
-        <p:txBody>
-          <a:bodyPr wrap="square" lIns="137137" tIns="137137" rIns="137137" bIns="137137">
-            <a:spAutoFit/>
-          </a:bodyPr>
-          <a:lstStyle>
-            <a:lvl1pPr eaLnBrk="0" hangingPunct="0">
-              <a:defRPr sz="2200">
-                <a:solidFill>
-                  <a:schemeClr val="tx1"/>
-                </a:solidFill>
-                <a:latin typeface="Arial" charset="0"/>
-              </a:defRPr>
-            </a:lvl1pPr>
-            <a:lvl2pPr marL="742950" indent="-285750" eaLnBrk="0" hangingPunct="0">
-              <a:defRPr sz="2200">
-                <a:solidFill>
-                  <a:schemeClr val="tx1"/>
-                </a:solidFill>
-                <a:latin typeface="Arial" charset="0"/>
-              </a:defRPr>
-            </a:lvl2pPr>
-            <a:lvl3pPr marL="1143000" indent="-228600" eaLnBrk="0" hangingPunct="0">
-              <a:defRPr sz="2200">
-                <a:solidFill>
-                  <a:schemeClr val="tx1"/>
-                </a:solidFill>
-                <a:latin typeface="Arial" charset="0"/>
-              </a:defRPr>
-            </a:lvl3pPr>
-            <a:lvl4pPr marL="1600200" indent="-228600" eaLnBrk="0" hangingPunct="0">
-              <a:defRPr sz="2200">
-                <a:solidFill>
-                  <a:schemeClr val="tx1"/>
-                </a:solidFill>
-                <a:latin typeface="Arial" charset="0"/>
-              </a:defRPr>
-            </a:lvl4pPr>
-            <a:lvl5pPr marL="2057400" indent="-228600" eaLnBrk="0" hangingPunct="0">
-              <a:defRPr sz="2200">
-                <a:solidFill>
-                  <a:schemeClr val="tx1"/>
-                </a:solidFill>
-                <a:latin typeface="Arial" charset="0"/>
-              </a:defRPr>
-            </a:lvl5pPr>
-            <a:lvl6pPr marL="2514600" indent="-228600" eaLnBrk="0" fontAlgn="base" hangingPunct="0">
-              <a:spcBef>
-                <a:spcPct val="0"/>
-              </a:spcBef>
-              <a:spcAft>
-                <a:spcPct val="0"/>
-              </a:spcAft>
-              <a:defRPr sz="2200">
-                <a:solidFill>
-                  <a:schemeClr val="tx1"/>
-                </a:solidFill>
-                <a:latin typeface="Arial" charset="0"/>
-              </a:defRPr>
-            </a:lvl6pPr>
-            <a:lvl7pPr marL="2971800" indent="-228600" eaLnBrk="0" fontAlgn="base" hangingPunct="0">
-              <a:spcBef>
-                <a:spcPct val="0"/>
-              </a:spcBef>
-              <a:spcAft>
-                <a:spcPct val="0"/>
-              </a:spcAft>
-              <a:defRPr sz="2200">
-                <a:solidFill>
-                  <a:schemeClr val="tx1"/>
-                </a:solidFill>
-                <a:latin typeface="Arial" charset="0"/>
-              </a:defRPr>
-            </a:lvl7pPr>
-            <a:lvl8pPr marL="3429000" indent="-228600" eaLnBrk="0" fontAlgn="base" hangingPunct="0">
-              <a:spcBef>
-                <a:spcPct val="0"/>
-              </a:spcBef>
-              <a:spcAft>
-                <a:spcPct val="0"/>
-              </a:spcAft>
-              <a:defRPr sz="2200">
-                <a:solidFill>
-                  <a:schemeClr val="tx1"/>
-                </a:solidFill>
-                <a:latin typeface="Arial" charset="0"/>
-              </a:defRPr>
-            </a:lvl8pPr>
-            <a:lvl9pPr marL="3886200" indent="-228600" eaLnBrk="0" fontAlgn="base" hangingPunct="0">
-              <a:spcBef>
-                <a:spcPct val="0"/>
-              </a:spcBef>
-              <a:spcAft>
-                <a:spcPct val="0"/>
-              </a:spcAft>
-              <a:defRPr sz="2200">
-                <a:solidFill>
-                  <a:schemeClr val="tx1"/>
-                </a:solidFill>
-                <a:latin typeface="Arial" charset="0"/>
-              </a:defRPr>
-            </a:lvl9pPr>
-          </a:lstStyle>
-          <a:p>
-            <a:pPr eaLnBrk="1" hangingPunct="1"/>
-            <a:r>
-              <a:rPr lang="en-US" sz="2800" dirty="0">
-                <a:latin typeface="Calibri" pitchFamily="34" charset="0"/>
-              </a:rPr>
-              <a:t> more results space if needed</a:t>
-            </a:r>
-          </a:p>
-          <a:p>
-            <a:pPr eaLnBrk="1" hangingPunct="1"/>
-            <a:endParaRPr lang="en-US" sz="2800" dirty="0">
-              <a:latin typeface="Calibri" pitchFamily="34" charset="0"/>
-            </a:endParaRPr>
-          </a:p>
-          <a:p>
-            <a:pPr eaLnBrk="1" hangingPunct="1"/>
-            <a:endParaRPr lang="en-US" sz="2800" dirty="0">
-              <a:latin typeface="Calibri" pitchFamily="34" charset="0"/>
-            </a:endParaRPr>
-          </a:p>
-          <a:p>
-            <a:pPr eaLnBrk="1" hangingPunct="1"/>
-            <a:endParaRPr lang="en-US" sz="2800" dirty="0">
-              <a:latin typeface="Calibri" pitchFamily="34" charset="0"/>
-            </a:endParaRPr>
-          </a:p>
-          <a:p>
-            <a:pPr eaLnBrk="1" hangingPunct="1"/>
-            <a:endParaRPr lang="en-US" sz="2800" dirty="0">
-              <a:latin typeface="Calibri" pitchFamily="34" charset="0"/>
-            </a:endParaRPr>
-          </a:p>
-          <a:p>
-            <a:pPr eaLnBrk="1" hangingPunct="1"/>
-            <a:endParaRPr lang="en-US" sz="2800" dirty="0">
-              <a:latin typeface="Calibri" pitchFamily="34" charset="0"/>
-            </a:endParaRPr>
-          </a:p>
-          <a:p>
-            <a:pPr eaLnBrk="1" hangingPunct="1"/>
-            <a:endParaRPr lang="en-US" sz="2800" dirty="0">
-              <a:latin typeface="Calibri" pitchFamily="34" charset="0"/>
-            </a:endParaRPr>
-          </a:p>
-          <a:p>
-            <a:pPr eaLnBrk="1" hangingPunct="1"/>
-            <a:endParaRPr lang="en-US" sz="2800" dirty="0">
-              <a:latin typeface="Calibri" pitchFamily="34" charset="0"/>
-            </a:endParaRPr>
-          </a:p>
-          <a:p>
-            <a:pPr eaLnBrk="1" hangingPunct="1"/>
-            <a:endParaRPr lang="en-US" sz="2800" dirty="0">
-              <a:latin typeface="Calibri" pitchFamily="34" charset="0"/>
-            </a:endParaRPr>
-          </a:p>
-          <a:p>
-            <a:pPr eaLnBrk="1" hangingPunct="1"/>
-            <a:endParaRPr lang="en-US" sz="2800" dirty="0">
-              <a:latin typeface="Calibri" pitchFamily="34" charset="0"/>
-            </a:endParaRPr>
-          </a:p>
-          <a:p>
-            <a:pPr eaLnBrk="1" hangingPunct="1"/>
-            <a:endParaRPr lang="en-US" sz="2800" dirty="0">
-              <a:latin typeface="Calibri" pitchFamily="34" charset="0"/>
-            </a:endParaRPr>
-          </a:p>
-          <a:p>
-            <a:pPr eaLnBrk="1" hangingPunct="1"/>
-            <a:endParaRPr lang="en-US" sz="2800" dirty="0">
-              <a:latin typeface="Calibri" pitchFamily="34" charset="0"/>
-            </a:endParaRPr>
-          </a:p>
-          <a:p>
-            <a:pPr eaLnBrk="1" hangingPunct="1"/>
-            <a:endParaRPr lang="en-US" sz="2800" dirty="0">
-              <a:latin typeface="Calibri" pitchFamily="34" charset="0"/>
-            </a:endParaRPr>
-          </a:p>
-          <a:p>
-            <a:pPr eaLnBrk="1" hangingPunct="1"/>
-            <a:endParaRPr lang="en-US" sz="2800" dirty="0">
-              <a:latin typeface="Calibri" pitchFamily="34" charset="0"/>
-            </a:endParaRPr>
-          </a:p>
-          <a:p>
-            <a:pPr eaLnBrk="1" hangingPunct="1"/>
-            <a:endParaRPr lang="en-US" sz="2800" dirty="0">
-              <a:latin typeface="Calibri" pitchFamily="34" charset="0"/>
-            </a:endParaRPr>
-          </a:p>
-          <a:p>
-            <a:pPr eaLnBrk="1" hangingPunct="1"/>
-            <a:endParaRPr lang="en-US" sz="2800" dirty="0">
-              <a:latin typeface="Calibri" pitchFamily="34" charset="0"/>
-            </a:endParaRPr>
-          </a:p>
-          <a:p>
-            <a:pPr eaLnBrk="1" hangingPunct="1"/>
-            <a:endParaRPr lang="en-US" sz="2800" dirty="0">
-              <a:latin typeface="Calibri" pitchFamily="34" charset="0"/>
-            </a:endParaRPr>
-          </a:p>
-          <a:p>
-            <a:pPr eaLnBrk="1" hangingPunct="1"/>
-            <a:endParaRPr lang="en-US" sz="2800" dirty="0">
-              <a:latin typeface="Calibri" pitchFamily="34" charset="0"/>
-            </a:endParaRPr>
-          </a:p>
-          <a:p>
-            <a:pPr eaLnBrk="1" hangingPunct="1"/>
-            <a:endParaRPr lang="en-US" sz="2800" dirty="0">
-              <a:latin typeface="Calibri" pitchFamily="34" charset="0"/>
-            </a:endParaRPr>
-          </a:p>
-          <a:p>
-            <a:pPr eaLnBrk="1" hangingPunct="1"/>
-            <a:endParaRPr lang="en-US" sz="2800" dirty="0">
-              <a:latin typeface="Calibri" pitchFamily="34" charset="0"/>
-            </a:endParaRPr>
-          </a:p>
-          <a:p>
-            <a:pPr eaLnBrk="1" hangingPunct="1"/>
-            <a:endParaRPr lang="en-US" sz="2800" dirty="0">
-              <a:latin typeface="Calibri" pitchFamily="34" charset="0"/>
-            </a:endParaRPr>
-          </a:p>
-          <a:p>
-            <a:pPr eaLnBrk="1" hangingPunct="1"/>
-            <a:endParaRPr lang="en-US" sz="2800" dirty="0">
-              <a:latin typeface="Calibri" pitchFamily="34" charset="0"/>
-            </a:endParaRPr>
-          </a:p>
-          <a:p>
-            <a:pPr eaLnBrk="1" hangingPunct="1"/>
-            <a:endParaRPr lang="en-US" sz="2800" dirty="0">
-              <a:latin typeface="Calibri" pitchFamily="34" charset="0"/>
-            </a:endParaRPr>
-          </a:p>
-          <a:p>
-            <a:pPr eaLnBrk="1" hangingPunct="1"/>
-            <a:endParaRPr lang="en-US" sz="2800" dirty="0">
-              <a:latin typeface="Calibri" pitchFamily="34" charset="0"/>
-            </a:endParaRPr>
-          </a:p>
-          <a:p>
-            <a:pPr eaLnBrk="1" hangingPunct="1"/>
-            <a:endParaRPr lang="en-US" sz="3000" dirty="0">
-              <a:latin typeface="Calibri" pitchFamily="34" charset="0"/>
-            </a:endParaRPr>
-          </a:p>
-        </p:txBody>
-      </p:sp>
+      <mc:AlternateContent xmlns:mc="http://schemas.openxmlformats.org/markup-compatibility/2006">
+        <mc:Choice xmlns:a14="http://schemas.microsoft.com/office/drawing/2010/main" Requires="a14">
+          <p:sp>
+            <p:nvSpPr>
+              <p:cNvPr id="70" name="Text Box 194">
+                <a:extLst>
+                  <a:ext uri="{FF2B5EF4-FFF2-40B4-BE49-F238E27FC236}">
+                    <a16:creationId xmlns:a16="http://schemas.microsoft.com/office/drawing/2014/main" id="{BC3A650A-72CF-42EB-ACE0-4EEDC4EBD24A}"/>
+                  </a:ext>
+                </a:extLst>
+              </p:cNvPr>
+              <p:cNvSpPr txBox="1">
+                <a:spLocks noChangeArrowheads="1"/>
+              </p:cNvSpPr>
+              <p:nvPr/>
+            </p:nvSpPr>
+            <p:spPr bwMode="auto">
+              <a:xfrm>
+                <a:off x="11521390" y="20377396"/>
+                <a:ext cx="20848320" cy="12216794"/>
+              </a:xfrm>
+              <a:prstGeom prst="rect">
+                <a:avLst/>
+              </a:prstGeom>
+              <a:solidFill>
+                <a:schemeClr val="bg1"/>
+              </a:solidFill>
+              <a:ln w="12700">
+                <a:solidFill>
+                  <a:schemeClr val="accent1">
+                    <a:lumMod val="75000"/>
+                  </a:schemeClr>
+                </a:solidFill>
+              </a:ln>
+              <a:effectLst/>
+            </p:spPr>
+            <p:txBody>
+              <a:bodyPr lIns="137137" tIns="137137" rIns="137137" bIns="137137">
+                <a:noAutofit/>
+              </a:bodyPr>
+              <a:lstStyle>
+                <a:lvl1pPr eaLnBrk="0" hangingPunct="0">
+                  <a:defRPr sz="2200">
+                    <a:solidFill>
+                      <a:schemeClr val="tx1"/>
+                    </a:solidFill>
+                    <a:latin typeface="Arial" charset="0"/>
+                  </a:defRPr>
+                </a:lvl1pPr>
+                <a:lvl2pPr marL="742950" indent="-285750" eaLnBrk="0" hangingPunct="0">
+                  <a:defRPr sz="2200">
+                    <a:solidFill>
+                      <a:schemeClr val="tx1"/>
+                    </a:solidFill>
+                    <a:latin typeface="Arial" charset="0"/>
+                  </a:defRPr>
+                </a:lvl2pPr>
+                <a:lvl3pPr marL="1143000" indent="-228600" eaLnBrk="0" hangingPunct="0">
+                  <a:defRPr sz="2200">
+                    <a:solidFill>
+                      <a:schemeClr val="tx1"/>
+                    </a:solidFill>
+                    <a:latin typeface="Arial" charset="0"/>
+                  </a:defRPr>
+                </a:lvl3pPr>
+                <a:lvl4pPr marL="1600200" indent="-228600" eaLnBrk="0" hangingPunct="0">
+                  <a:defRPr sz="2200">
+                    <a:solidFill>
+                      <a:schemeClr val="tx1"/>
+                    </a:solidFill>
+                    <a:latin typeface="Arial" charset="0"/>
+                  </a:defRPr>
+                </a:lvl4pPr>
+                <a:lvl5pPr marL="2057400" indent="-228600" eaLnBrk="0" hangingPunct="0">
+                  <a:defRPr sz="2200">
+                    <a:solidFill>
+                      <a:schemeClr val="tx1"/>
+                    </a:solidFill>
+                    <a:latin typeface="Arial" charset="0"/>
+                  </a:defRPr>
+                </a:lvl5pPr>
+                <a:lvl6pPr marL="2514600" indent="-228600" eaLnBrk="0" fontAlgn="base" hangingPunct="0">
+                  <a:spcBef>
+                    <a:spcPct val="0"/>
+                  </a:spcBef>
+                  <a:spcAft>
+                    <a:spcPct val="0"/>
+                  </a:spcAft>
+                  <a:defRPr sz="2200">
+                    <a:solidFill>
+                      <a:schemeClr val="tx1"/>
+                    </a:solidFill>
+                    <a:latin typeface="Arial" charset="0"/>
+                  </a:defRPr>
+                </a:lvl6pPr>
+                <a:lvl7pPr marL="2971800" indent="-228600" eaLnBrk="0" fontAlgn="base" hangingPunct="0">
+                  <a:spcBef>
+                    <a:spcPct val="0"/>
+                  </a:spcBef>
+                  <a:spcAft>
+                    <a:spcPct val="0"/>
+                  </a:spcAft>
+                  <a:defRPr sz="2200">
+                    <a:solidFill>
+                      <a:schemeClr val="tx1"/>
+                    </a:solidFill>
+                    <a:latin typeface="Arial" charset="0"/>
+                  </a:defRPr>
+                </a:lvl7pPr>
+                <a:lvl8pPr marL="3429000" indent="-228600" eaLnBrk="0" fontAlgn="base" hangingPunct="0">
+                  <a:spcBef>
+                    <a:spcPct val="0"/>
+                  </a:spcBef>
+                  <a:spcAft>
+                    <a:spcPct val="0"/>
+                  </a:spcAft>
+                  <a:defRPr sz="2200">
+                    <a:solidFill>
+                      <a:schemeClr val="tx1"/>
+                    </a:solidFill>
+                    <a:latin typeface="Arial" charset="0"/>
+                  </a:defRPr>
+                </a:lvl8pPr>
+                <a:lvl9pPr marL="3886200" indent="-228600" eaLnBrk="0" fontAlgn="base" hangingPunct="0">
+                  <a:spcBef>
+                    <a:spcPct val="0"/>
+                  </a:spcBef>
+                  <a:spcAft>
+                    <a:spcPct val="0"/>
+                  </a:spcAft>
+                  <a:defRPr sz="2200">
+                    <a:solidFill>
+                      <a:schemeClr val="tx1"/>
+                    </a:solidFill>
+                    <a:latin typeface="Arial" charset="0"/>
+                  </a:defRPr>
+                </a:lvl9pPr>
+              </a:lstStyle>
+              <a:p>
+                <a:pPr eaLnBrk="1" hangingPunct="1"/>
+                <a:r>
+                  <a:rPr lang="en-US" sz="3000" dirty="0">
+                    <a:latin typeface="+mn-lt"/>
+                  </a:rPr>
+                  <a:t>At any time t, the entire system is at a steady state temperature since the rate of heat flow into the system is the rate of heat flow out of the system. Therefore, it can be modeled by Fourier’s Law of Heat Conduction, where </a:t>
+                </a:r>
+                <a14:m>
+                  <m:oMath xmlns:m="http://schemas.openxmlformats.org/officeDocument/2006/math">
+                    <m:acc>
+                      <m:accPr>
+                        <m:chr m:val="⃗"/>
+                        <m:ctrlPr>
+                          <a:rPr lang="en-US" sz="3000" i="1">
+                            <a:latin typeface="Cambria Math" panose="02040503050406030204" pitchFamily="18" charset="0"/>
+                            <a:ea typeface="Cambria Math" panose="02040503050406030204" pitchFamily="18" charset="0"/>
+                          </a:rPr>
+                        </m:ctrlPr>
+                      </m:accPr>
+                      <m:e>
+                        <m:r>
+                          <a:rPr lang="en-US" sz="3000" i="1">
+                            <a:latin typeface="Cambria Math" panose="02040503050406030204" pitchFamily="18" charset="0"/>
+                            <a:ea typeface="Cambria Math" panose="02040503050406030204" pitchFamily="18" charset="0"/>
+                          </a:rPr>
+                          <m:t>𝑞</m:t>
+                        </m:r>
+                      </m:e>
+                    </m:acc>
+                    <m:r>
+                      <a:rPr lang="en-US" sz="3000" i="1">
+                        <a:latin typeface="+mn-lt"/>
+                      </a:rPr>
+                      <m:t> </m:t>
+                    </m:r>
+                  </m:oMath>
+                </a14:m>
+                <a:r>
+                  <a:rPr lang="en-US" sz="3000" dirty="0">
+                    <a:latin typeface="+mn-lt"/>
+                  </a:rPr>
+                  <a:t>is the heat flux density, </a:t>
+                </a:r>
+                <a:r>
+                  <a:rPr lang="en-US" sz="3000" i="1" dirty="0">
+                    <a:latin typeface="Cambria Math" panose="02040503050406030204" pitchFamily="18" charset="0"/>
+                    <a:ea typeface="Cambria Math" panose="02040503050406030204" pitchFamily="18" charset="0"/>
+                  </a:rPr>
+                  <a:t>k</a:t>
+                </a:r>
+                <a:r>
+                  <a:rPr lang="en-US" sz="3000" dirty="0">
+                    <a:latin typeface="+mn-lt"/>
+                  </a:rPr>
+                  <a:t> is the thermal conductivity, and </a:t>
+                </a:r>
+                <a14:m>
+                  <m:oMath xmlns:m="http://schemas.openxmlformats.org/officeDocument/2006/math">
+                    <m:r>
+                      <m:rPr>
+                        <m:nor/>
+                      </m:rPr>
+                      <a:rPr lang="en-US" sz="3000" i="1">
+                        <a:latin typeface="Cambria Math" panose="02040503050406030204" pitchFamily="18" charset="0"/>
+                        <a:ea typeface="Cambria Math" panose="02040503050406030204" pitchFamily="18" charset="0"/>
+                      </a:rPr>
+                      <m:t>∇T</m:t>
+                    </m:r>
+                  </m:oMath>
+                </a14:m>
+                <a:r>
+                  <a:rPr lang="en-US" sz="3000" i="1" dirty="0">
+                    <a:latin typeface="+mn-lt"/>
+                    <a:ea typeface="Cambria Math" panose="02040503050406030204" pitchFamily="18" charset="0"/>
+                  </a:rPr>
+                  <a:t> </a:t>
+                </a:r>
+                <a:r>
+                  <a:rPr lang="en-US" sz="3000" dirty="0">
+                    <a:latin typeface="+mn-lt"/>
+                    <a:ea typeface="Cambria Math" panose="02040503050406030204" pitchFamily="18" charset="0"/>
+                  </a:rPr>
+                  <a:t> is the temperature gradient</a:t>
+                </a:r>
+                <a:r>
+                  <a:rPr lang="en-US" sz="3000" dirty="0">
+                    <a:latin typeface="+mn-lt"/>
+                  </a:rPr>
+                  <a:t>: </a:t>
+                </a:r>
+              </a:p>
+              <a:p>
+                <a:pPr eaLnBrk="1" hangingPunct="1"/>
+                <a14:m>
+                  <m:oMathPara xmlns:m="http://schemas.openxmlformats.org/officeDocument/2006/math">
+                    <m:oMathParaPr>
+                      <m:jc m:val="centerGroup"/>
+                    </m:oMathParaPr>
+                    <m:oMath xmlns:m="http://schemas.openxmlformats.org/officeDocument/2006/math">
+                      <m:acc>
+                        <m:accPr>
+                          <m:chr m:val="⃗"/>
+                          <m:ctrlPr>
+                            <a:rPr lang="en-US" sz="3000" b="1" i="1" smtClean="0">
+                              <a:latin typeface="Cambria Math" panose="02040503050406030204" pitchFamily="18" charset="0"/>
+                            </a:rPr>
+                          </m:ctrlPr>
+                        </m:accPr>
+                        <m:e>
+                          <m:r>
+                            <a:rPr lang="en-US" sz="3000" b="1" i="1" smtClean="0">
+                              <a:latin typeface="Cambria Math" panose="02040503050406030204" pitchFamily="18" charset="0"/>
+                            </a:rPr>
+                            <m:t>𝒒</m:t>
+                          </m:r>
+                        </m:e>
+                      </m:acc>
+                      <m:r>
+                        <a:rPr lang="en-US" sz="3000" b="1" i="1" smtClean="0">
+                          <a:latin typeface="Cambria Math" panose="02040503050406030204" pitchFamily="18" charset="0"/>
+                        </a:rPr>
+                        <m:t>=−</m:t>
+                      </m:r>
+                      <m:r>
+                        <a:rPr lang="en-US" sz="3000" b="1" i="1" smtClean="0">
+                          <a:latin typeface="Cambria Math" panose="02040503050406030204" pitchFamily="18" charset="0"/>
+                          <a:ea typeface="Cambria Math" panose="02040503050406030204" pitchFamily="18" charset="0"/>
+                        </a:rPr>
+                        <m:t>𝒌</m:t>
+                      </m:r>
+                      <m:r>
+                        <m:rPr>
+                          <m:nor/>
+                        </m:rPr>
+                        <a:rPr lang="en-US" sz="3000" b="1" i="1">
+                          <a:latin typeface="Cambria Math" panose="02040503050406030204" pitchFamily="18" charset="0"/>
+                          <a:ea typeface="Cambria Math" panose="02040503050406030204" pitchFamily="18" charset="0"/>
+                        </a:rPr>
+                        <m:t>∇</m:t>
+                      </m:r>
+                      <m:r>
+                        <m:rPr>
+                          <m:nor/>
+                        </m:rPr>
+                        <a:rPr lang="en-US" sz="3000" b="1" i="1" smtClean="0">
+                          <a:latin typeface="Cambria Math" panose="02040503050406030204" pitchFamily="18" charset="0"/>
+                          <a:ea typeface="Cambria Math" panose="02040503050406030204" pitchFamily="18" charset="0"/>
+                        </a:rPr>
+                        <m:t>T</m:t>
+                      </m:r>
+                    </m:oMath>
+                  </m:oMathPara>
+                </a14:m>
+                <a:endParaRPr lang="en-US" sz="3000" b="1" i="1" dirty="0">
+                  <a:latin typeface="Cambria Math" panose="02040503050406030204" pitchFamily="18" charset="0"/>
+                  <a:ea typeface="Cambria Math" panose="02040503050406030204" pitchFamily="18" charset="0"/>
+                </a:endParaRPr>
+              </a:p>
+              <a:p>
+                <a:pPr eaLnBrk="1" hangingPunct="1"/>
+                <a:endParaRPr lang="en-US" sz="3000" dirty="0">
+                  <a:latin typeface="Calibri" pitchFamily="34" charset="0"/>
+                </a:endParaRPr>
+              </a:p>
+              <a:p>
+                <a:pPr eaLnBrk="1" hangingPunct="1"/>
+                <a:r>
+                  <a:rPr lang="en-US" sz="3000" dirty="0">
+                    <a:latin typeface="Calibri" pitchFamily="34" charset="0"/>
+                  </a:rPr>
+                  <a:t>Since the system at any time is at a steady-state, and the temperature gradient is directly proportional to the heat flux density, the center of temperature distribution can be found similarly to finding the center of mass assuming linear masses. In this system, each point can be assigned a “weight” that represents its temperature. The center can then be calculated by finding the weighted mean in the horizontal (x) and vertical (y) distances:</a:t>
+                </a:r>
+              </a:p>
+              <a:p>
+                <a:pPr algn="ctr" eaLnBrk="1" hangingPunct="1"/>
+                <a:r>
+                  <a:rPr lang="en-US" sz="3000" b="1" dirty="0">
+                    <a:latin typeface="Calibri" pitchFamily="34" charset="0"/>
+                  </a:rPr>
+                  <a:t>Center of Temperature = ( </a:t>
+                </a:r>
+                <a14:m>
+                  <m:oMath xmlns:m="http://schemas.openxmlformats.org/officeDocument/2006/math">
+                    <m:f>
+                      <m:fPr>
+                        <m:ctrlPr>
+                          <a:rPr lang="en-US" sz="3000" b="1" i="1">
+                            <a:latin typeface="Cambria Math" panose="02040503050406030204" pitchFamily="18" charset="0"/>
+                          </a:rPr>
+                        </m:ctrlPr>
+                      </m:fPr>
+                      <m:num>
+                        <m:nary>
+                          <m:naryPr>
+                            <m:chr m:val="∑"/>
+                            <m:subHide m:val="on"/>
+                            <m:supHide m:val="on"/>
+                            <m:ctrlPr>
+                              <a:rPr lang="en-US" sz="3000" b="1" i="1">
+                                <a:latin typeface="Cambria Math" panose="02040503050406030204" pitchFamily="18" charset="0"/>
+                              </a:rPr>
+                            </m:ctrlPr>
+                          </m:naryPr>
+                          <m:sub/>
+                          <m:sup/>
+                          <m:e>
+                            <m:sSub>
+                              <m:sSubPr>
+                                <m:ctrlPr>
+                                  <a:rPr lang="en-US" sz="3000" b="1" i="1">
+                                    <a:latin typeface="Cambria Math" panose="02040503050406030204" pitchFamily="18" charset="0"/>
+                                  </a:rPr>
+                                </m:ctrlPr>
+                              </m:sSubPr>
+                              <m:e>
+                                <m:r>
+                                  <a:rPr lang="en-US" sz="3000" b="1" i="1">
+                                    <a:latin typeface="Cambria Math" panose="02040503050406030204" pitchFamily="18" charset="0"/>
+                                  </a:rPr>
+                                  <m:t>𝒙</m:t>
+                                </m:r>
+                              </m:e>
+                              <m:sub>
+                                <m:r>
+                                  <a:rPr lang="en-US" sz="3000" b="1" i="1">
+                                    <a:latin typeface="Cambria Math" panose="02040503050406030204" pitchFamily="18" charset="0"/>
+                                  </a:rPr>
+                                  <m:t>𝒊</m:t>
+                                </m:r>
+                              </m:sub>
+                            </m:sSub>
+                            <m:sSub>
+                              <m:sSubPr>
+                                <m:ctrlPr>
+                                  <a:rPr lang="en-US" sz="3000" b="1" i="1">
+                                    <a:latin typeface="Cambria Math" panose="02040503050406030204" pitchFamily="18" charset="0"/>
+                                  </a:rPr>
+                                </m:ctrlPr>
+                              </m:sSubPr>
+                              <m:e>
+                                <m:r>
+                                  <a:rPr lang="en-US" sz="3000" b="1" i="1">
+                                    <a:latin typeface="Cambria Math" panose="02040503050406030204" pitchFamily="18" charset="0"/>
+                                  </a:rPr>
+                                  <m:t>𝑻</m:t>
+                                </m:r>
+                              </m:e>
+                              <m:sub>
+                                <m:r>
+                                  <a:rPr lang="en-US" sz="3000" b="1" i="1">
+                                    <a:latin typeface="Cambria Math" panose="02040503050406030204" pitchFamily="18" charset="0"/>
+                                  </a:rPr>
+                                  <m:t>𝒊</m:t>
+                                </m:r>
+                              </m:sub>
+                            </m:sSub>
+                          </m:e>
+                        </m:nary>
+                      </m:num>
+                      <m:den>
+                        <m:nary>
+                          <m:naryPr>
+                            <m:chr m:val="∑"/>
+                            <m:subHide m:val="on"/>
+                            <m:supHide m:val="on"/>
+                            <m:ctrlPr>
+                              <a:rPr lang="en-US" sz="3000" b="1" i="1">
+                                <a:latin typeface="Cambria Math" panose="02040503050406030204" pitchFamily="18" charset="0"/>
+                              </a:rPr>
+                            </m:ctrlPr>
+                          </m:naryPr>
+                          <m:sub/>
+                          <m:sup/>
+                          <m:e>
+                            <m:sSub>
+                              <m:sSubPr>
+                                <m:ctrlPr>
+                                  <a:rPr lang="en-US" sz="3000" b="1" i="1">
+                                    <a:latin typeface="Cambria Math" panose="02040503050406030204" pitchFamily="18" charset="0"/>
+                                  </a:rPr>
+                                </m:ctrlPr>
+                              </m:sSubPr>
+                              <m:e>
+                                <m:r>
+                                  <a:rPr lang="en-US" sz="3000" b="1" i="1">
+                                    <a:latin typeface="Cambria Math" panose="02040503050406030204" pitchFamily="18" charset="0"/>
+                                  </a:rPr>
+                                  <m:t>𝑻</m:t>
+                                </m:r>
+                              </m:e>
+                              <m:sub>
+                                <m:r>
+                                  <a:rPr lang="en-US" sz="3000" b="1" i="1">
+                                    <a:latin typeface="Cambria Math" panose="02040503050406030204" pitchFamily="18" charset="0"/>
+                                  </a:rPr>
+                                  <m:t>𝒊</m:t>
+                                </m:r>
+                              </m:sub>
+                            </m:sSub>
+                          </m:e>
+                        </m:nary>
+                      </m:den>
+                    </m:f>
+                  </m:oMath>
+                </a14:m>
+                <a:r>
+                  <a:rPr lang="en-US" sz="3000" b="1" dirty="0">
+                    <a:latin typeface="Calibri" pitchFamily="34" charset="0"/>
+                  </a:rPr>
+                  <a:t>, </a:t>
+                </a:r>
+                <a14:m>
+                  <m:oMath xmlns:m="http://schemas.openxmlformats.org/officeDocument/2006/math">
+                    <m:f>
+                      <m:fPr>
+                        <m:ctrlPr>
+                          <a:rPr lang="en-US" sz="3000" b="1" i="1">
+                            <a:latin typeface="Cambria Math" panose="02040503050406030204" pitchFamily="18" charset="0"/>
+                          </a:rPr>
+                        </m:ctrlPr>
+                      </m:fPr>
+                      <m:num>
+                        <m:nary>
+                          <m:naryPr>
+                            <m:chr m:val="∑"/>
+                            <m:subHide m:val="on"/>
+                            <m:supHide m:val="on"/>
+                            <m:ctrlPr>
+                              <a:rPr lang="en-US" sz="3000" b="1" i="1">
+                                <a:latin typeface="Cambria Math" panose="02040503050406030204" pitchFamily="18" charset="0"/>
+                              </a:rPr>
+                            </m:ctrlPr>
+                          </m:naryPr>
+                          <m:sub/>
+                          <m:sup/>
+                          <m:e>
+                            <m:sSub>
+                              <m:sSubPr>
+                                <m:ctrlPr>
+                                  <a:rPr lang="en-US" sz="3000" b="1" i="1">
+                                    <a:latin typeface="Cambria Math" panose="02040503050406030204" pitchFamily="18" charset="0"/>
+                                  </a:rPr>
+                                </m:ctrlPr>
+                              </m:sSubPr>
+                              <m:e>
+                                <m:r>
+                                  <a:rPr lang="en-US" sz="3000" b="1" i="1">
+                                    <a:latin typeface="Cambria Math" panose="02040503050406030204" pitchFamily="18" charset="0"/>
+                                  </a:rPr>
+                                  <m:t>𝒚</m:t>
+                                </m:r>
+                              </m:e>
+                              <m:sub>
+                                <m:r>
+                                  <a:rPr lang="en-US" sz="3000" b="1" i="1">
+                                    <a:latin typeface="Cambria Math" panose="02040503050406030204" pitchFamily="18" charset="0"/>
+                                  </a:rPr>
+                                  <m:t>𝒊</m:t>
+                                </m:r>
+                              </m:sub>
+                            </m:sSub>
+                            <m:sSub>
+                              <m:sSubPr>
+                                <m:ctrlPr>
+                                  <a:rPr lang="en-US" sz="3000" b="1" i="1">
+                                    <a:latin typeface="Cambria Math" panose="02040503050406030204" pitchFamily="18" charset="0"/>
+                                  </a:rPr>
+                                </m:ctrlPr>
+                              </m:sSubPr>
+                              <m:e>
+                                <m:r>
+                                  <a:rPr lang="en-US" sz="3000" b="1" i="1">
+                                    <a:latin typeface="Cambria Math" panose="02040503050406030204" pitchFamily="18" charset="0"/>
+                                  </a:rPr>
+                                  <m:t>𝑻</m:t>
+                                </m:r>
+                              </m:e>
+                              <m:sub>
+                                <m:r>
+                                  <a:rPr lang="en-US" sz="3000" b="1" i="1">
+                                    <a:latin typeface="Cambria Math" panose="02040503050406030204" pitchFamily="18" charset="0"/>
+                                  </a:rPr>
+                                  <m:t>𝒊</m:t>
+                                </m:r>
+                              </m:sub>
+                            </m:sSub>
+                          </m:e>
+                        </m:nary>
+                      </m:num>
+                      <m:den>
+                        <m:nary>
+                          <m:naryPr>
+                            <m:chr m:val="∑"/>
+                            <m:subHide m:val="on"/>
+                            <m:supHide m:val="on"/>
+                            <m:ctrlPr>
+                              <a:rPr lang="en-US" sz="3000" b="1" i="1">
+                                <a:latin typeface="Cambria Math" panose="02040503050406030204" pitchFamily="18" charset="0"/>
+                              </a:rPr>
+                            </m:ctrlPr>
+                          </m:naryPr>
+                          <m:sub/>
+                          <m:sup/>
+                          <m:e>
+                            <m:sSub>
+                              <m:sSubPr>
+                                <m:ctrlPr>
+                                  <a:rPr lang="en-US" sz="3000" b="1" i="1">
+                                    <a:latin typeface="Cambria Math" panose="02040503050406030204" pitchFamily="18" charset="0"/>
+                                  </a:rPr>
+                                </m:ctrlPr>
+                              </m:sSubPr>
+                              <m:e>
+                                <m:r>
+                                  <a:rPr lang="en-US" sz="3000" b="1" i="1">
+                                    <a:latin typeface="Cambria Math" panose="02040503050406030204" pitchFamily="18" charset="0"/>
+                                  </a:rPr>
+                                  <m:t>𝑻</m:t>
+                                </m:r>
+                              </m:e>
+                              <m:sub>
+                                <m:r>
+                                  <a:rPr lang="en-US" sz="3000" b="1" i="1">
+                                    <a:latin typeface="Cambria Math" panose="02040503050406030204" pitchFamily="18" charset="0"/>
+                                  </a:rPr>
+                                  <m:t>𝒊</m:t>
+                                </m:r>
+                              </m:sub>
+                            </m:sSub>
+                          </m:e>
+                        </m:nary>
+                      </m:den>
+                    </m:f>
+                  </m:oMath>
+                </a14:m>
+                <a:r>
+                  <a:rPr lang="en-US" sz="3000" b="1" dirty="0">
+                    <a:latin typeface="Calibri" pitchFamily="34" charset="0"/>
+                  </a:rPr>
+                  <a:t>)</a:t>
+                </a:r>
+              </a:p>
+              <a:p>
+                <a:pPr algn="ctr" eaLnBrk="1" hangingPunct="1"/>
+                <a:endParaRPr lang="en-US" sz="3000" b="1" dirty="0">
+                  <a:latin typeface="Calibri" pitchFamily="34" charset="0"/>
+                </a:endParaRPr>
+              </a:p>
+              <a:p>
+                <a:pPr eaLnBrk="1" hangingPunct="1"/>
+                <a:r>
+                  <a:rPr lang="en-US" sz="3000" dirty="0">
+                    <a:latin typeface="Calibri" pitchFamily="34" charset="0"/>
+                  </a:rPr>
+                  <a:t>When all temperatures are equal to each other, the center of temperature represents a common equilibrium point for when the entire system is at a perfect steady-state thermal equilibrium, and the weighted mean can be calculated with all weights equal:</a:t>
+                </a:r>
+              </a:p>
+              <a:p>
+                <a:pPr algn="ctr" eaLnBrk="1" hangingPunct="1"/>
+                <a:endParaRPr lang="en-US" sz="3000" b="1" dirty="0">
+                  <a:latin typeface="Calibri" pitchFamily="34" charset="0"/>
+                </a:endParaRPr>
+              </a:p>
+              <a:p>
+                <a:pPr algn="ctr" eaLnBrk="1" hangingPunct="1"/>
+                <a:r>
+                  <a:rPr lang="en-US" sz="3000" b="1" dirty="0">
+                    <a:latin typeface="Calibri" pitchFamily="34" charset="0"/>
+                  </a:rPr>
+                  <a:t>Equilibrium Point = (5.175, 10.525)</a:t>
+                </a:r>
+              </a:p>
+              <a:p>
+                <a:pPr eaLnBrk="1" hangingPunct="1"/>
+                <a:endParaRPr lang="en-US" sz="3000" dirty="0">
+                  <a:latin typeface="Calibri" pitchFamily="34" charset="0"/>
+                </a:endParaRPr>
+              </a:p>
+            </p:txBody>
+          </p:sp>
+        </mc:Choice>
+        <mc:Fallback>
+          <p:sp>
+            <p:nvSpPr>
+              <p:cNvPr id="70" name="Text Box 194">
+                <a:extLst>
+                  <a:ext uri="{FF2B5EF4-FFF2-40B4-BE49-F238E27FC236}">
+                    <a16:creationId xmlns:a16="http://schemas.microsoft.com/office/drawing/2014/main" id="{BC3A650A-72CF-42EB-ACE0-4EEDC4EBD24A}"/>
+                  </a:ext>
+                </a:extLst>
+              </p:cNvPr>
+              <p:cNvSpPr txBox="1">
+                <a:spLocks noRot="1" noChangeAspect="1" noMove="1" noResize="1" noEditPoints="1" noAdjustHandles="1" noChangeArrowheads="1" noChangeShapeType="1" noTextEdit="1"/>
+              </p:cNvSpPr>
+              <p:nvPr/>
+            </p:nvSpPr>
+            <p:spPr bwMode="auto">
+              <a:xfrm>
+                <a:off x="11521390" y="20377396"/>
+                <a:ext cx="20848320" cy="12216794"/>
+              </a:xfrm>
+              <a:prstGeom prst="rect">
+                <a:avLst/>
+              </a:prstGeom>
+              <a:blipFill>
+                <a:blip r:embed="rId5"/>
+                <a:stretch>
+                  <a:fillRect l="-426" r="-730"/>
+                </a:stretch>
+              </a:blipFill>
+              <a:ln w="12700">
+                <a:solidFill>
+                  <a:schemeClr val="accent1">
+                    <a:lumMod val="75000"/>
+                  </a:schemeClr>
+                </a:solidFill>
+              </a:ln>
+              <a:effectLst/>
+            </p:spPr>
+            <p:txBody>
+              <a:bodyPr/>
+              <a:lstStyle/>
+              <a:p>
+                <a:r>
+                  <a:rPr lang="en-US">
+                    <a:noFill/>
+                  </a:rPr>
+                  <a:t> </a:t>
+                </a:r>
+              </a:p>
+            </p:txBody>
+          </p:sp>
+        </mc:Fallback>
+      </mc:AlternateContent>
+      <mc:AlternateContent xmlns:mc="http://schemas.openxmlformats.org/markup-compatibility/2006">
+        <mc:Choice xmlns:a14="http://schemas.microsoft.com/office/drawing/2010/main" Requires="a14">
+          <p:sp>
+            <p:nvSpPr>
+              <p:cNvPr id="72" name="Text Box 189">
+                <a:extLst>
+                  <a:ext uri="{FF2B5EF4-FFF2-40B4-BE49-F238E27FC236}">
+                    <a16:creationId xmlns:a16="http://schemas.microsoft.com/office/drawing/2014/main" id="{0219791F-E202-47C3-80A0-325B3B154188}"/>
+                  </a:ext>
+                </a:extLst>
+              </p:cNvPr>
+              <p:cNvSpPr txBox="1">
+                <a:spLocks noChangeArrowheads="1"/>
+              </p:cNvSpPr>
+              <p:nvPr/>
+            </p:nvSpPr>
+            <p:spPr bwMode="auto">
+              <a:xfrm>
+                <a:off x="33186119" y="1696401"/>
+                <a:ext cx="9144000" cy="10514179"/>
+              </a:xfrm>
+              <a:prstGeom prst="rect">
+                <a:avLst/>
+              </a:prstGeom>
+              <a:solidFill>
+                <a:schemeClr val="bg1"/>
+              </a:solidFill>
+              <a:ln w="12700">
+                <a:solidFill>
+                  <a:schemeClr val="accent1">
+                    <a:lumMod val="75000"/>
+                  </a:schemeClr>
+                </a:solidFill>
+              </a:ln>
+              <a:effectLst/>
+            </p:spPr>
+            <p:txBody>
+              <a:bodyPr wrap="square" lIns="137137" tIns="137137" rIns="137137" bIns="137137">
+                <a:spAutoFit/>
+              </a:bodyPr>
+              <a:lstStyle>
+                <a:lvl1pPr eaLnBrk="0" hangingPunct="0">
+                  <a:defRPr sz="2200">
+                    <a:solidFill>
+                      <a:schemeClr val="tx1"/>
+                    </a:solidFill>
+                    <a:latin typeface="Arial" charset="0"/>
+                  </a:defRPr>
+                </a:lvl1pPr>
+                <a:lvl2pPr marL="742950" indent="-285750" eaLnBrk="0" hangingPunct="0">
+                  <a:defRPr sz="2200">
+                    <a:solidFill>
+                      <a:schemeClr val="tx1"/>
+                    </a:solidFill>
+                    <a:latin typeface="Arial" charset="0"/>
+                  </a:defRPr>
+                </a:lvl2pPr>
+                <a:lvl3pPr marL="1143000" indent="-228600" eaLnBrk="0" hangingPunct="0">
+                  <a:defRPr sz="2200">
+                    <a:solidFill>
+                      <a:schemeClr val="tx1"/>
+                    </a:solidFill>
+                    <a:latin typeface="Arial" charset="0"/>
+                  </a:defRPr>
+                </a:lvl3pPr>
+                <a:lvl4pPr marL="1600200" indent="-228600" eaLnBrk="0" hangingPunct="0">
+                  <a:defRPr sz="2200">
+                    <a:solidFill>
+                      <a:schemeClr val="tx1"/>
+                    </a:solidFill>
+                    <a:latin typeface="Arial" charset="0"/>
+                  </a:defRPr>
+                </a:lvl4pPr>
+                <a:lvl5pPr marL="2057400" indent="-228600" eaLnBrk="0" hangingPunct="0">
+                  <a:defRPr sz="2200">
+                    <a:solidFill>
+                      <a:schemeClr val="tx1"/>
+                    </a:solidFill>
+                    <a:latin typeface="Arial" charset="0"/>
+                  </a:defRPr>
+                </a:lvl5pPr>
+                <a:lvl6pPr marL="2514600" indent="-228600" eaLnBrk="0" fontAlgn="base" hangingPunct="0">
+                  <a:spcBef>
+                    <a:spcPct val="0"/>
+                  </a:spcBef>
+                  <a:spcAft>
+                    <a:spcPct val="0"/>
+                  </a:spcAft>
+                  <a:defRPr sz="2200">
+                    <a:solidFill>
+                      <a:schemeClr val="tx1"/>
+                    </a:solidFill>
+                    <a:latin typeface="Arial" charset="0"/>
+                  </a:defRPr>
+                </a:lvl6pPr>
+                <a:lvl7pPr marL="2971800" indent="-228600" eaLnBrk="0" fontAlgn="base" hangingPunct="0">
+                  <a:spcBef>
+                    <a:spcPct val="0"/>
+                  </a:spcBef>
+                  <a:spcAft>
+                    <a:spcPct val="0"/>
+                  </a:spcAft>
+                  <a:defRPr sz="2200">
+                    <a:solidFill>
+                      <a:schemeClr val="tx1"/>
+                    </a:solidFill>
+                    <a:latin typeface="Arial" charset="0"/>
+                  </a:defRPr>
+                </a:lvl7pPr>
+                <a:lvl8pPr marL="3429000" indent="-228600" eaLnBrk="0" fontAlgn="base" hangingPunct="0">
+                  <a:spcBef>
+                    <a:spcPct val="0"/>
+                  </a:spcBef>
+                  <a:spcAft>
+                    <a:spcPct val="0"/>
+                  </a:spcAft>
+                  <a:defRPr sz="2200">
+                    <a:solidFill>
+                      <a:schemeClr val="tx1"/>
+                    </a:solidFill>
+                    <a:latin typeface="Arial" charset="0"/>
+                  </a:defRPr>
+                </a:lvl8pPr>
+                <a:lvl9pPr marL="3886200" indent="-228600" eaLnBrk="0" fontAlgn="base" hangingPunct="0">
+                  <a:spcBef>
+                    <a:spcPct val="0"/>
+                  </a:spcBef>
+                  <a:spcAft>
+                    <a:spcPct val="0"/>
+                  </a:spcAft>
+                  <a:defRPr sz="2200">
+                    <a:solidFill>
+                      <a:schemeClr val="tx1"/>
+                    </a:solidFill>
+                    <a:latin typeface="Arial" charset="0"/>
+                  </a:defRPr>
+                </a:lvl9pPr>
+              </a:lstStyle>
+              <a:p>
+                <a:pPr eaLnBrk="1" hangingPunct="1"/>
+                <a:r>
+                  <a:rPr lang="en-US" sz="3000" dirty="0">
+                    <a:latin typeface="Calibri" pitchFamily="34" charset="0"/>
+                  </a:rPr>
+                  <a:t>For each calculated center, the weighted mean of the temperature was also calculated:</a:t>
+                </a:r>
+                <a:endParaRPr lang="en-US" sz="3000" b="1" dirty="0">
+                  <a:latin typeface="Calibri" pitchFamily="34" charset="0"/>
+                </a:endParaRPr>
+              </a:p>
+              <a:p>
+                <a:pPr eaLnBrk="1" hangingPunct="1"/>
+                <a14:m>
+                  <m:oMathPara xmlns:m="http://schemas.openxmlformats.org/officeDocument/2006/math">
+                    <m:oMathParaPr>
+                      <m:jc m:val="centerGroup"/>
+                    </m:oMathParaPr>
+                    <m:oMath xmlns:m="http://schemas.openxmlformats.org/officeDocument/2006/math">
+                      <m:f>
+                        <m:fPr>
+                          <m:ctrlPr>
+                            <a:rPr lang="en-US" sz="3000" b="1" i="1">
+                              <a:latin typeface="Cambria Math" panose="02040503050406030204" pitchFamily="18" charset="0"/>
+                            </a:rPr>
+                          </m:ctrlPr>
+                        </m:fPr>
+                        <m:num>
+                          <m:nary>
+                            <m:naryPr>
+                              <m:chr m:val="∑"/>
+                              <m:subHide m:val="on"/>
+                              <m:supHide m:val="on"/>
+                              <m:ctrlPr>
+                                <a:rPr lang="en-US" sz="3000" b="1" i="1">
+                                  <a:latin typeface="Cambria Math" panose="02040503050406030204" pitchFamily="18" charset="0"/>
+                                </a:rPr>
+                              </m:ctrlPr>
+                            </m:naryPr>
+                            <m:sub/>
+                            <m:sup/>
+                            <m:e>
+                              <m:sSub>
+                                <m:sSubPr>
+                                  <m:ctrlPr>
+                                    <a:rPr lang="en-US" sz="3000" b="1" i="1" smtClean="0">
+                                      <a:latin typeface="Cambria Math" panose="02040503050406030204" pitchFamily="18" charset="0"/>
+                                    </a:rPr>
+                                  </m:ctrlPr>
+                                </m:sSubPr>
+                                <m:e>
+                                  <m:r>
+                                    <a:rPr lang="en-US" sz="3000" b="1" i="1" smtClean="0">
+                                      <a:latin typeface="Cambria Math" panose="02040503050406030204" pitchFamily="18" charset="0"/>
+                                    </a:rPr>
+                                    <m:t>𝒓</m:t>
+                                  </m:r>
+                                </m:e>
+                                <m:sub>
+                                  <m:r>
+                                    <a:rPr lang="en-US" sz="3000" b="1" i="1" smtClean="0">
+                                      <a:latin typeface="Cambria Math" panose="02040503050406030204" pitchFamily="18" charset="0"/>
+                                    </a:rPr>
+                                    <m:t>𝒊</m:t>
+                                  </m:r>
+                                </m:sub>
+                              </m:sSub>
+                              <m:sSub>
+                                <m:sSubPr>
+                                  <m:ctrlPr>
+                                    <a:rPr lang="en-US" sz="3000" b="1" i="1">
+                                      <a:latin typeface="Cambria Math" panose="02040503050406030204" pitchFamily="18" charset="0"/>
+                                    </a:rPr>
+                                  </m:ctrlPr>
+                                </m:sSubPr>
+                                <m:e>
+                                  <m:r>
+                                    <a:rPr lang="en-US" sz="3000" b="1" i="1">
+                                      <a:latin typeface="Cambria Math" panose="02040503050406030204" pitchFamily="18" charset="0"/>
+                                    </a:rPr>
+                                    <m:t>𝑻</m:t>
+                                  </m:r>
+                                </m:e>
+                                <m:sub>
+                                  <m:r>
+                                    <a:rPr lang="en-US" sz="3000" b="1" i="1">
+                                      <a:latin typeface="Cambria Math" panose="02040503050406030204" pitchFamily="18" charset="0"/>
+                                    </a:rPr>
+                                    <m:t>𝒊</m:t>
+                                  </m:r>
+                                </m:sub>
+                              </m:sSub>
+                            </m:e>
+                          </m:nary>
+                        </m:num>
+                        <m:den>
+                          <m:nary>
+                            <m:naryPr>
+                              <m:chr m:val="∑"/>
+                              <m:subHide m:val="on"/>
+                              <m:supHide m:val="on"/>
+                              <m:ctrlPr>
+                                <a:rPr lang="en-US" sz="3000" b="1" i="1">
+                                  <a:latin typeface="Cambria Math" panose="02040503050406030204" pitchFamily="18" charset="0"/>
+                                </a:rPr>
+                              </m:ctrlPr>
+                            </m:naryPr>
+                            <m:sub/>
+                            <m:sup/>
+                            <m:e>
+                              <m:sSub>
+                                <m:sSubPr>
+                                  <m:ctrlPr>
+                                    <a:rPr lang="en-US" sz="3000" b="1" i="1">
+                                      <a:latin typeface="Cambria Math" panose="02040503050406030204" pitchFamily="18" charset="0"/>
+                                    </a:rPr>
+                                  </m:ctrlPr>
+                                </m:sSubPr>
+                                <m:e>
+                                  <m:r>
+                                    <a:rPr lang="en-US" sz="3000" b="1" i="1" smtClean="0">
+                                      <a:latin typeface="Cambria Math" panose="02040503050406030204" pitchFamily="18" charset="0"/>
+                                    </a:rPr>
+                                    <m:t>𝒓</m:t>
+                                  </m:r>
+                                </m:e>
+                                <m:sub>
+                                  <m:r>
+                                    <a:rPr lang="en-US" sz="3000" b="1" i="1">
+                                      <a:latin typeface="Cambria Math" panose="02040503050406030204" pitchFamily="18" charset="0"/>
+                                    </a:rPr>
+                                    <m:t>𝒊</m:t>
+                                  </m:r>
+                                </m:sub>
+                              </m:sSub>
+                            </m:e>
+                          </m:nary>
+                        </m:den>
+                      </m:f>
+                    </m:oMath>
+                  </m:oMathPara>
+                </a14:m>
+                <a:endParaRPr lang="en-US" sz="3000" b="1" dirty="0">
+                  <a:latin typeface="Calibri" pitchFamily="34" charset="0"/>
+                </a:endParaRPr>
+              </a:p>
+              <a:p>
+                <a:pPr eaLnBrk="1" hangingPunct="1"/>
+                <a:r>
+                  <a:rPr lang="en-US" sz="3000" dirty="0">
+                    <a:latin typeface="Calibri" pitchFamily="34" charset="0"/>
+                  </a:rPr>
+                  <a:t>where </a:t>
+                </a:r>
+                <a:r>
+                  <a:rPr lang="en-US" sz="3000" b="1" i="1" dirty="0">
+                    <a:latin typeface="Calibri" pitchFamily="34" charset="0"/>
+                  </a:rPr>
+                  <a:t>r</a:t>
+                </a:r>
+                <a:r>
+                  <a:rPr lang="en-US" sz="3000" dirty="0">
+                    <a:latin typeface="Calibri" pitchFamily="34" charset="0"/>
+                  </a:rPr>
+                  <a:t> is the distance from the center to the equilibrium point. The gradient vector was also calculated for each center from the equilibrium point to find the magnitude and direction of net temperature change:</a:t>
+                </a:r>
+              </a:p>
+              <a:p>
+                <a:pPr eaLnBrk="1" hangingPunct="1"/>
+                <a14:m>
+                  <m:oMathPara xmlns:m="http://schemas.openxmlformats.org/officeDocument/2006/math">
+                    <m:oMathParaPr>
+                      <m:jc m:val="centerGroup"/>
+                    </m:oMathParaPr>
+                    <m:oMath xmlns:m="http://schemas.openxmlformats.org/officeDocument/2006/math">
+                      <m:r>
+                        <m:rPr>
+                          <m:nor/>
+                        </m:rPr>
+                        <a:rPr lang="en-US" sz="3000" b="1" i="1">
+                          <a:latin typeface="Cambria Math" panose="02040503050406030204" pitchFamily="18" charset="0"/>
+                          <a:ea typeface="Cambria Math" panose="02040503050406030204" pitchFamily="18" charset="0"/>
+                        </a:rPr>
+                        <m:t>∇</m:t>
+                      </m:r>
+                      <m:r>
+                        <a:rPr lang="en-US" sz="3000" b="1" i="1" smtClean="0">
+                          <a:latin typeface="Cambria Math" panose="02040503050406030204" pitchFamily="18" charset="0"/>
+                          <a:ea typeface="Cambria Math" panose="02040503050406030204" pitchFamily="18" charset="0"/>
+                        </a:rPr>
+                        <m:t>𝑻</m:t>
+                      </m:r>
+                      <m:r>
+                        <a:rPr lang="en-US" sz="3000" b="1" i="1" smtClean="0">
+                          <a:latin typeface="Cambria Math" panose="02040503050406030204" pitchFamily="18" charset="0"/>
+                          <a:ea typeface="Cambria Math" panose="02040503050406030204" pitchFamily="18" charset="0"/>
+                        </a:rPr>
+                        <m:t>=(</m:t>
+                      </m:r>
+                      <m:f>
+                        <m:fPr>
+                          <m:ctrlPr>
+                            <a:rPr lang="en-US" sz="3000" b="1" i="1" smtClean="0">
+                              <a:latin typeface="Cambria Math" panose="02040503050406030204" pitchFamily="18" charset="0"/>
+                              <a:ea typeface="Cambria Math" panose="02040503050406030204" pitchFamily="18" charset="0"/>
+                            </a:rPr>
+                          </m:ctrlPr>
+                        </m:fPr>
+                        <m:num>
+                          <m:r>
+                            <a:rPr lang="en-US" sz="3000" b="1" i="1" smtClean="0">
+                              <a:latin typeface="Cambria Math" panose="02040503050406030204" pitchFamily="18" charset="0"/>
+                              <a:ea typeface="Cambria Math" panose="02040503050406030204" pitchFamily="18" charset="0"/>
+                            </a:rPr>
+                            <m:t>𝝏</m:t>
+                          </m:r>
+                          <m:r>
+                            <a:rPr lang="en-US" sz="3000" b="1" i="1" smtClean="0">
+                              <a:latin typeface="Cambria Math" panose="02040503050406030204" pitchFamily="18" charset="0"/>
+                              <a:ea typeface="Cambria Math" panose="02040503050406030204" pitchFamily="18" charset="0"/>
+                            </a:rPr>
+                            <m:t>𝑻</m:t>
+                          </m:r>
+                        </m:num>
+                        <m:den>
+                          <m:r>
+                            <a:rPr lang="en-US" sz="3000" b="1" i="1" smtClean="0">
+                              <a:latin typeface="Cambria Math" panose="02040503050406030204" pitchFamily="18" charset="0"/>
+                              <a:ea typeface="Cambria Math" panose="02040503050406030204" pitchFamily="18" charset="0"/>
+                            </a:rPr>
+                            <m:t>𝝏</m:t>
+                          </m:r>
+                          <m:r>
+                            <a:rPr lang="en-US" sz="3000" b="1" i="1" smtClean="0">
+                              <a:latin typeface="Cambria Math" panose="02040503050406030204" pitchFamily="18" charset="0"/>
+                              <a:ea typeface="Cambria Math" panose="02040503050406030204" pitchFamily="18" charset="0"/>
+                            </a:rPr>
+                            <m:t>𝒙</m:t>
+                          </m:r>
+                        </m:den>
+                      </m:f>
+                      <m:r>
+                        <a:rPr lang="en-US" sz="3000" b="1" i="1" smtClean="0">
+                          <a:latin typeface="Cambria Math" panose="02040503050406030204" pitchFamily="18" charset="0"/>
+                          <a:ea typeface="Cambria Math" panose="02040503050406030204" pitchFamily="18" charset="0"/>
+                        </a:rPr>
+                        <m:t>, </m:t>
+                      </m:r>
+                      <m:f>
+                        <m:fPr>
+                          <m:ctrlPr>
+                            <a:rPr lang="en-US" sz="3000" b="1" i="1" smtClean="0">
+                              <a:latin typeface="Cambria Math" panose="02040503050406030204" pitchFamily="18" charset="0"/>
+                              <a:ea typeface="Cambria Math" panose="02040503050406030204" pitchFamily="18" charset="0"/>
+                            </a:rPr>
+                          </m:ctrlPr>
+                        </m:fPr>
+                        <m:num>
+                          <m:r>
+                            <a:rPr lang="en-US" sz="3000" b="1" i="1" smtClean="0">
+                              <a:latin typeface="Cambria Math" panose="02040503050406030204" pitchFamily="18" charset="0"/>
+                              <a:ea typeface="Cambria Math" panose="02040503050406030204" pitchFamily="18" charset="0"/>
+                            </a:rPr>
+                            <m:t>𝝏</m:t>
+                          </m:r>
+                          <m:r>
+                            <a:rPr lang="en-US" sz="3000" b="1" i="1" smtClean="0">
+                              <a:latin typeface="Cambria Math" panose="02040503050406030204" pitchFamily="18" charset="0"/>
+                              <a:ea typeface="Cambria Math" panose="02040503050406030204" pitchFamily="18" charset="0"/>
+                            </a:rPr>
+                            <m:t>𝑻</m:t>
+                          </m:r>
+                        </m:num>
+                        <m:den>
+                          <m:r>
+                            <a:rPr lang="en-US" sz="3000" b="1" i="1" smtClean="0">
+                              <a:latin typeface="Cambria Math" panose="02040503050406030204" pitchFamily="18" charset="0"/>
+                              <a:ea typeface="Cambria Math" panose="02040503050406030204" pitchFamily="18" charset="0"/>
+                            </a:rPr>
+                            <m:t>𝝏</m:t>
+                          </m:r>
+                          <m:r>
+                            <a:rPr lang="en-US" sz="3000" b="1" i="1" smtClean="0">
+                              <a:latin typeface="Cambria Math" panose="02040503050406030204" pitchFamily="18" charset="0"/>
+                              <a:ea typeface="Cambria Math" panose="02040503050406030204" pitchFamily="18" charset="0"/>
+                            </a:rPr>
+                            <m:t>𝒚</m:t>
+                          </m:r>
+                        </m:den>
+                      </m:f>
+                      <m:r>
+                        <a:rPr lang="en-US" sz="3000" b="1" i="1" smtClean="0">
+                          <a:latin typeface="Cambria Math" panose="02040503050406030204" pitchFamily="18" charset="0"/>
+                          <a:ea typeface="Cambria Math" panose="02040503050406030204" pitchFamily="18" charset="0"/>
+                        </a:rPr>
+                        <m:t>)</m:t>
+                      </m:r>
+                    </m:oMath>
+                  </m:oMathPara>
+                </a14:m>
+                <a:endParaRPr lang="en-US" sz="3000" dirty="0">
+                  <a:latin typeface="Calibri" pitchFamily="34" charset="0"/>
+                </a:endParaRPr>
+              </a:p>
+              <a:p>
+                <a:pPr eaLnBrk="1" hangingPunct="1"/>
+                <a:r>
+                  <a:rPr lang="en-US" sz="3000" dirty="0">
+                    <a:latin typeface="Calibri" pitchFamily="34" charset="0"/>
+                  </a:rPr>
+                  <a:t>A Welch’s Test was run on the gradients for each infill:</a:t>
+                </a:r>
+              </a:p>
+              <a:p>
+                <a:pPr eaLnBrk="1" hangingPunct="1"/>
+                <a:endParaRPr lang="en-US" sz="3000" dirty="0">
+                  <a:latin typeface="Calibri" pitchFamily="34" charset="0"/>
+                </a:endParaRPr>
+              </a:p>
+              <a:p>
+                <a:pPr eaLnBrk="1" hangingPunct="1"/>
+                <a:endParaRPr lang="en-US" sz="3000" dirty="0">
+                  <a:latin typeface="Calibri" pitchFamily="34" charset="0"/>
+                </a:endParaRPr>
+              </a:p>
+              <a:p>
+                <a:pPr eaLnBrk="1" hangingPunct="1"/>
+                <a:endParaRPr lang="en-US" sz="3000" dirty="0">
+                  <a:latin typeface="Calibri" pitchFamily="34" charset="0"/>
+                </a:endParaRPr>
+              </a:p>
+              <a:p>
+                <a:pPr eaLnBrk="1" hangingPunct="1"/>
+                <a:endParaRPr lang="en-US" sz="3000" dirty="0">
+                  <a:latin typeface="Calibri" pitchFamily="34" charset="0"/>
+                </a:endParaRPr>
+              </a:p>
+              <a:p>
+                <a:pPr eaLnBrk="1" hangingPunct="1"/>
+                <a:endParaRPr lang="en-US" sz="3000" dirty="0">
+                  <a:latin typeface="Calibri" pitchFamily="34" charset="0"/>
+                </a:endParaRPr>
+              </a:p>
+              <a:p>
+                <a:pPr eaLnBrk="1" hangingPunct="1"/>
+                <a:endParaRPr lang="en-US" sz="3000" dirty="0">
+                  <a:latin typeface="Calibri" pitchFamily="34" charset="0"/>
+                </a:endParaRPr>
+              </a:p>
+              <a:p>
+                <a:pPr eaLnBrk="1" hangingPunct="1"/>
+                <a:endParaRPr lang="en-US" sz="3000" dirty="0">
+                  <a:latin typeface="Calibri" pitchFamily="34" charset="0"/>
+                </a:endParaRPr>
+              </a:p>
+              <a:p>
+                <a:pPr eaLnBrk="1" hangingPunct="1"/>
+                <a:endParaRPr lang="en-US" sz="3000" dirty="0">
+                  <a:latin typeface="Calibri" pitchFamily="34" charset="0"/>
+                </a:endParaRPr>
+              </a:p>
+              <a:p>
+                <a:pPr eaLnBrk="1" hangingPunct="1"/>
+                <a:endParaRPr lang="en-US" sz="3000" dirty="0">
+                  <a:latin typeface="Calibri" pitchFamily="34" charset="0"/>
+                </a:endParaRPr>
+              </a:p>
+              <a:p>
+                <a:pPr eaLnBrk="1" hangingPunct="1"/>
+                <a:endParaRPr lang="en-US" sz="3000" dirty="0">
+                  <a:latin typeface="Calibri" pitchFamily="34" charset="0"/>
+                </a:endParaRPr>
+              </a:p>
+            </p:txBody>
+          </p:sp>
+        </mc:Choice>
+        <mc:Fallback>
+          <p:sp>
+            <p:nvSpPr>
+              <p:cNvPr id="72" name="Text Box 189">
+                <a:extLst>
+                  <a:ext uri="{FF2B5EF4-FFF2-40B4-BE49-F238E27FC236}">
+                    <a16:creationId xmlns:a16="http://schemas.microsoft.com/office/drawing/2014/main" id="{0219791F-E202-47C3-80A0-325B3B154188}"/>
+                  </a:ext>
+                </a:extLst>
+              </p:cNvPr>
+              <p:cNvSpPr txBox="1">
+                <a:spLocks noRot="1" noChangeAspect="1" noMove="1" noResize="1" noEditPoints="1" noAdjustHandles="1" noChangeArrowheads="1" noChangeShapeType="1" noTextEdit="1"/>
+              </p:cNvSpPr>
+              <p:nvPr/>
+            </p:nvSpPr>
+            <p:spPr bwMode="auto">
+              <a:xfrm>
+                <a:off x="33186119" y="1696401"/>
+                <a:ext cx="9144000" cy="10514179"/>
+              </a:xfrm>
+              <a:prstGeom prst="rect">
+                <a:avLst/>
+              </a:prstGeom>
+              <a:blipFill>
+                <a:blip r:embed="rId6"/>
+                <a:stretch>
+                  <a:fillRect l="-970"/>
+                </a:stretch>
+              </a:blipFill>
+              <a:ln w="12700">
+                <a:solidFill>
+                  <a:schemeClr val="accent1">
+                    <a:lumMod val="75000"/>
+                  </a:schemeClr>
+                </a:solidFill>
+              </a:ln>
+              <a:effectLst/>
+            </p:spPr>
+            <p:txBody>
+              <a:bodyPr/>
+              <a:lstStyle/>
+              <a:p>
+                <a:r>
+                  <a:rPr lang="en-US">
+                    <a:noFill/>
+                  </a:rPr>
+                  <a:t> </a:t>
+                </a:r>
+              </a:p>
+            </p:txBody>
+          </p:sp>
+        </mc:Fallback>
+      </mc:AlternateContent>
       <p:sp>
         <p:nvSpPr>
           <p:cNvPr id="73" name="Rectangle 72">
@@ -5319,7 +6121,7 @@
         <p:spPr bwMode="auto">
           <a:xfrm>
             <a:off x="33186119" y="14616246"/>
-            <a:ext cx="9144000" cy="707840"/>
+            <a:ext cx="9144000" cy="3293163"/>
           </a:xfrm>
           <a:prstGeom prst="rect">
             <a:avLst/>
@@ -5444,7 +6246,7 @@
               <a:rPr lang="en-US" sz="2800" dirty="0">
                 <a:latin typeface="Calibri" pitchFamily="34" charset="0"/>
               </a:rPr>
-              <a:t> I HAVE NO IDEA WHAT J HAPPEND</a:t>
+              <a:t>The Welch’s Tests showed that the mean gradients for the 30% infill were significantly greater (p&lt;0.0001) than the mean gradients for 20% infill. Additionally, the mean gradients for the 20% infill were also significantly greater (p&lt;0.0001) than the mean gradients for the 10% infill. Therefore, the data suggests that there is a greater net heat flow as the infill percentage is increased.</a:t>
             </a:r>
             <a:endParaRPr lang="en-US" sz="3000" dirty="0">
               <a:latin typeface="Calibri" pitchFamily="34" charset="0"/>
@@ -5657,7 +6459,7 @@
               <a:rPr lang="en-US" sz="3000" dirty="0">
                 <a:latin typeface="Calibri" pitchFamily="34" charset="0"/>
               </a:rPr>
-              <a:t>SAVE URSELF AND DON’T DO MORE WORK</a:t>
+              <a:t>FUTURE</a:t>
             </a:r>
           </a:p>
         </p:txBody>
@@ -5971,7 +6773,7 @@
           <p:nvPr/>
         </p:nvPicPr>
         <p:blipFill rotWithShape="1">
-          <a:blip r:embed="rId5">
+          <a:blip r:embed="rId7">
             <a:extLst>
               <a:ext uri="{28A0092B-C50C-407E-A947-70E740481C1C}">
                 <a14:useLocalDpi xmlns:a14="http://schemas.microsoft.com/office/drawing/2010/main" val="0"/>
@@ -6129,7 +6931,7 @@
           <p:nvPr>
             <p:extLst>
               <p:ext uri="{D42A27DB-BD31-4B8C-83A1-F6EECF244321}">
-                <p14:modId xmlns:p14="http://schemas.microsoft.com/office/powerpoint/2010/main" val="4018583447"/>
+                <p14:modId xmlns:p14="http://schemas.microsoft.com/office/powerpoint/2010/main" val="1042285183"/>
               </p:ext>
             </p:extLst>
           </p:nvPr>
@@ -6167,7 +6969,11 @@
                     <a:lstStyle/>
                     <a:p>
                       <a:r>
-                        <a:rPr lang="en-US" sz="3200" dirty="0"/>
+                        <a:rPr lang="en-US" sz="3200" dirty="0">
+                          <a:solidFill>
+                            <a:srgbClr val="000000"/>
+                          </a:solidFill>
+                        </a:rPr>
                         <a:t>Setting</a:t>
                       </a:r>
                     </a:p>
@@ -6180,7 +6986,11 @@
                     <a:lstStyle/>
                     <a:p>
                       <a:r>
-                        <a:rPr lang="en-US" sz="3200" dirty="0"/>
+                        <a:rPr lang="en-US" sz="3200" dirty="0">
+                          <a:solidFill>
+                            <a:srgbClr val="000000"/>
+                          </a:solidFill>
+                        </a:rPr>
                         <a:t>Value</a:t>
                       </a:r>
                     </a:p>
@@ -6202,7 +7012,7 @@
                       <a:r>
                         <a:rPr lang="en-US" sz="3200" dirty="0">
                           <a:solidFill>
-                            <a:schemeClr val="bg1"/>
+                            <a:srgbClr val="000000"/>
                           </a:solidFill>
                         </a:rPr>
                         <a:t>Extruder Temperature</a:t>
@@ -6219,7 +7029,7 @@
                       <a:r>
                         <a:rPr lang="en-US" sz="3200" dirty="0">
                           <a:solidFill>
-                            <a:schemeClr val="bg1"/>
+                            <a:srgbClr val="000000"/>
                           </a:solidFill>
                         </a:rPr>
                         <a:t>200°C</a:t>
@@ -6243,7 +7053,7 @@
                       <a:r>
                         <a:rPr lang="en-US" sz="3200" dirty="0">
                           <a:solidFill>
-                            <a:schemeClr val="bg1"/>
+                            <a:srgbClr val="000000"/>
                           </a:solidFill>
                         </a:rPr>
                         <a:t>Bed Temperature</a:t>
@@ -6260,7 +7070,7 @@
                       <a:r>
                         <a:rPr lang="en-US" sz="3200" dirty="0">
                           <a:solidFill>
-                            <a:schemeClr val="bg1"/>
+                            <a:srgbClr val="000000"/>
                           </a:solidFill>
                         </a:rPr>
                         <a:t>80°C</a:t>
@@ -6284,7 +7094,7 @@
                       <a:r>
                         <a:rPr lang="en-US" sz="3200" dirty="0">
                           <a:solidFill>
-                            <a:schemeClr val="bg1"/>
+                            <a:srgbClr val="000000"/>
                           </a:solidFill>
                         </a:rPr>
                         <a:t>Layer Height</a:t>
@@ -6301,7 +7111,7 @@
                       <a:r>
                         <a:rPr lang="en-US" sz="3200" dirty="0">
                           <a:solidFill>
-                            <a:schemeClr val="bg1"/>
+                            <a:srgbClr val="000000"/>
                           </a:solidFill>
                         </a:rPr>
                         <a:t>0.2 mm</a:t>
@@ -6335,14 +7145,14 @@
           <p:nvPr>
             <p:extLst>
               <p:ext uri="{D42A27DB-BD31-4B8C-83A1-F6EECF244321}">
-                <p14:modId xmlns:p14="http://schemas.microsoft.com/office/powerpoint/2010/main" val="1471947405"/>
+                <p14:modId xmlns:p14="http://schemas.microsoft.com/office/powerpoint/2010/main" val="2284160622"/>
               </p:ext>
             </p:extLst>
           </p:nvPr>
         </p:nvGraphicFramePr>
         <p:xfrm>
-          <a:off x="14630400" y="15629232"/>
-          <a:ext cx="15811449" cy="2819400"/>
+          <a:off x="16502930" y="15265156"/>
+          <a:ext cx="10885239" cy="2947747"/>
         </p:xfrm>
         <a:graphic>
           <a:graphicData uri="http://schemas.openxmlformats.org/drawingml/2006/table">
@@ -6351,63 +7161,63 @@
                 <a:tableStyleId>{073A0DAA-6AF3-43AB-8588-CEC1D06C72B9}</a:tableStyleId>
               </a:tblPr>
               <a:tblGrid>
-                <a:gridCol w="1601984">
+                <a:gridCol w="1102871">
                   <a:extLst>
                     <a:ext uri="{9D8B030D-6E8A-4147-A177-3AD203B41FA5}">
                       <a16:colId xmlns:a16="http://schemas.microsoft.com/office/drawing/2014/main" val="2112819011"/>
                     </a:ext>
                   </a:extLst>
                 </a:gridCol>
-                <a:gridCol w="1838822">
+                <a:gridCol w="1265920">
                   <a:extLst>
                     <a:ext uri="{9D8B030D-6E8A-4147-A177-3AD203B41FA5}">
                       <a16:colId xmlns:a16="http://schemas.microsoft.com/office/drawing/2014/main" val="107479321"/>
                     </a:ext>
                   </a:extLst>
                 </a:gridCol>
-                <a:gridCol w="1772584">
+                <a:gridCol w="1220318">
                   <a:extLst>
                     <a:ext uri="{9D8B030D-6E8A-4147-A177-3AD203B41FA5}">
                       <a16:colId xmlns:a16="http://schemas.microsoft.com/office/drawing/2014/main" val="2188313120"/>
                     </a:ext>
                   </a:extLst>
                 </a:gridCol>
-                <a:gridCol w="1772584">
+                <a:gridCol w="1220318">
                   <a:extLst>
                     <a:ext uri="{9D8B030D-6E8A-4147-A177-3AD203B41FA5}">
                       <a16:colId xmlns:a16="http://schemas.microsoft.com/office/drawing/2014/main" val="374022025"/>
                     </a:ext>
                   </a:extLst>
                 </a:gridCol>
-                <a:gridCol w="1772584">
+                <a:gridCol w="1220318">
                   <a:extLst>
                     <a:ext uri="{9D8B030D-6E8A-4147-A177-3AD203B41FA5}">
                       <a16:colId xmlns:a16="http://schemas.microsoft.com/office/drawing/2014/main" val="630867281"/>
                     </a:ext>
                   </a:extLst>
                 </a:gridCol>
-                <a:gridCol w="1772584">
+                <a:gridCol w="1220318">
                   <a:extLst>
                     <a:ext uri="{9D8B030D-6E8A-4147-A177-3AD203B41FA5}">
                       <a16:colId xmlns:a16="http://schemas.microsoft.com/office/drawing/2014/main" val="3692685516"/>
                     </a:ext>
                   </a:extLst>
                 </a:gridCol>
-                <a:gridCol w="1772584">
+                <a:gridCol w="1220318">
                   <a:extLst>
                     <a:ext uri="{9D8B030D-6E8A-4147-A177-3AD203B41FA5}">
                       <a16:colId xmlns:a16="http://schemas.microsoft.com/office/drawing/2014/main" val="2463924051"/>
                     </a:ext>
                   </a:extLst>
                 </a:gridCol>
-                <a:gridCol w="1772584">
+                <a:gridCol w="1220318">
                   <a:extLst>
                     <a:ext uri="{9D8B030D-6E8A-4147-A177-3AD203B41FA5}">
                       <a16:colId xmlns:a16="http://schemas.microsoft.com/office/drawing/2014/main" val="3733783522"/>
                     </a:ext>
                   </a:extLst>
                 </a:gridCol>
-                <a:gridCol w="1735139">
+                <a:gridCol w="1194540">
                   <a:extLst>
                     <a:ext uri="{9D8B030D-6E8A-4147-A177-3AD203B41FA5}">
                       <a16:colId xmlns:a16="http://schemas.microsoft.com/office/drawing/2014/main" val="3582066898"/>
@@ -6415,7 +7225,7 @@
                   </a:extLst>
                 </a:gridCol>
               </a:tblGrid>
-              <a:tr h="279503">
+              <a:tr h="647309">
                 <a:tc>
                   <a:txBody>
                     <a:bodyPr/>
@@ -6501,7 +7311,7 @@
                     <a:p>
                       <a:pPr algn="r" fontAlgn="b"/>
                       <a:r>
-                        <a:rPr lang="en-US" sz="2000" b="1" u="none" strike="noStrike">
+                        <a:rPr lang="en-US" sz="2000" b="1" u="none" strike="noStrike" dirty="0">
                           <a:solidFill>
                             <a:schemeClr val="bg1"/>
                           </a:solidFill>
@@ -6509,7 +7319,7 @@
                         </a:rPr>
                         <a:t>Thermistor 3 (°C)</a:t>
                       </a:r>
-                      <a:endParaRPr lang="en-US" sz="2000" b="1" i="0" u="none" strike="noStrike">
+                      <a:endParaRPr lang="en-US" sz="2000" b="1" i="0" u="none" strike="noStrike" dirty="0">
                         <a:solidFill>
                           <a:schemeClr val="bg1"/>
                         </a:solidFill>
@@ -6656,7 +7466,7 @@
                   </a:ext>
                 </a:extLst>
               </a:tr>
-              <a:tr h="279503">
+              <a:tr h="328634">
                 <a:tc>
                   <a:txBody>
                     <a:bodyPr/>
@@ -6897,7 +7707,7 @@
                   </a:ext>
                 </a:extLst>
               </a:tr>
-              <a:tr h="279503">
+              <a:tr h="328634">
                 <a:tc>
                   <a:txBody>
                     <a:bodyPr/>
@@ -7138,7 +7948,7 @@
                   </a:ext>
                 </a:extLst>
               </a:tr>
-              <a:tr h="279503">
+              <a:tr h="328634">
                 <a:tc>
                   <a:txBody>
                     <a:bodyPr/>
@@ -7379,7 +8189,7 @@
                   </a:ext>
                 </a:extLst>
               </a:tr>
-              <a:tr h="279503">
+              <a:tr h="328634">
                 <a:tc>
                   <a:txBody>
                     <a:bodyPr/>
@@ -7620,7 +8430,7 @@
                   </a:ext>
                 </a:extLst>
               </a:tr>
-              <a:tr h="279503">
+              <a:tr h="328634">
                 <a:tc>
                   <a:txBody>
                     <a:bodyPr/>
@@ -7861,7 +8671,7 @@
                   </a:ext>
                 </a:extLst>
               </a:tr>
-              <a:tr h="279503">
+              <a:tr h="328634">
                 <a:tc>
                   <a:txBody>
                     <a:bodyPr/>
@@ -8102,7 +8912,7 @@
                   </a:ext>
                 </a:extLst>
               </a:tr>
-              <a:tr h="279503">
+              <a:tr h="328634">
                 <a:tc>
                   <a:txBody>
                     <a:bodyPr/>
@@ -8347,6 +9157,682 @@
           </a:graphicData>
         </a:graphic>
       </p:graphicFrame>
+      <p:pic>
+        <p:nvPicPr>
+          <p:cNvPr id="24" name="Picture 23" descr="A screenshot of a map&#10;&#10;Description automatically generated">
+            <a:extLst>
+              <a:ext uri="{FF2B5EF4-FFF2-40B4-BE49-F238E27FC236}">
+                <a16:creationId xmlns:a16="http://schemas.microsoft.com/office/drawing/2014/main" id="{4842B761-F96A-C045-923E-BCCF91BC939B}"/>
+              </a:ext>
+            </a:extLst>
+          </p:cNvPr>
+          <p:cNvPicPr>
+            <a:picLocks noChangeAspect="1"/>
+          </p:cNvPicPr>
+          <p:nvPr/>
+        </p:nvPicPr>
+        <p:blipFill>
+          <a:blip r:embed="rId8">
+            <a:extLst>
+              <a:ext uri="{28A0092B-C50C-407E-A947-70E740481C1C}">
+                <a14:useLocalDpi xmlns:a14="http://schemas.microsoft.com/office/drawing/2010/main" val="0"/>
+              </a:ext>
+            </a:extLst>
+          </a:blip>
+          <a:stretch>
+            <a:fillRect/>
+          </a:stretch>
+        </p:blipFill>
+        <p:spPr>
+          <a:xfrm>
+            <a:off x="18732932" y="27813000"/>
+            <a:ext cx="6494403" cy="4329601"/>
+          </a:xfrm>
+          <a:prstGeom prst="rect">
+            <a:avLst/>
+          </a:prstGeom>
+        </p:spPr>
+      </p:pic>
+      <p:pic>
+        <p:nvPicPr>
+          <p:cNvPr id="27" name="Picture 26" descr="A close up of a map&#10;&#10;Description automatically generated">
+            <a:extLst>
+              <a:ext uri="{FF2B5EF4-FFF2-40B4-BE49-F238E27FC236}">
+                <a16:creationId xmlns:a16="http://schemas.microsoft.com/office/drawing/2014/main" id="{239CE35F-6E8A-D44A-81EB-CE5B754E532D}"/>
+              </a:ext>
+            </a:extLst>
+          </p:cNvPr>
+          <p:cNvPicPr>
+            <a:picLocks noChangeAspect="1"/>
+          </p:cNvPicPr>
+          <p:nvPr/>
+        </p:nvPicPr>
+        <p:blipFill>
+          <a:blip r:embed="rId9">
+            <a:extLst>
+              <a:ext uri="{28A0092B-C50C-407E-A947-70E740481C1C}">
+                <a14:useLocalDpi xmlns:a14="http://schemas.microsoft.com/office/drawing/2010/main" val="0"/>
+              </a:ext>
+            </a:extLst>
+          </a:blip>
+          <a:stretch>
+            <a:fillRect/>
+          </a:stretch>
+        </p:blipFill>
+        <p:spPr>
+          <a:xfrm>
+            <a:off x="25702996" y="27813000"/>
+            <a:ext cx="6494402" cy="4329601"/>
+          </a:xfrm>
+          <a:prstGeom prst="rect">
+            <a:avLst/>
+          </a:prstGeom>
+        </p:spPr>
+      </p:pic>
+      <p:pic>
+        <p:nvPicPr>
+          <p:cNvPr id="64" name="Picture 63" descr="A screenshot of a map&#10;&#10;Description automatically generated">
+            <a:extLst>
+              <a:ext uri="{FF2B5EF4-FFF2-40B4-BE49-F238E27FC236}">
+                <a16:creationId xmlns:a16="http://schemas.microsoft.com/office/drawing/2014/main" id="{38ED62A4-3721-F74C-AD63-B2A9CC492489}"/>
+              </a:ext>
+            </a:extLst>
+          </p:cNvPr>
+          <p:cNvPicPr>
+            <a:picLocks noChangeAspect="1"/>
+          </p:cNvPicPr>
+          <p:nvPr/>
+        </p:nvPicPr>
+        <p:blipFill>
+          <a:blip r:embed="rId8">
+            <a:extLst>
+              <a:ext uri="{28A0092B-C50C-407E-A947-70E740481C1C}">
+                <a14:useLocalDpi xmlns:a14="http://schemas.microsoft.com/office/drawing/2010/main" val="0"/>
+              </a:ext>
+            </a:extLst>
+          </a:blip>
+          <a:stretch>
+            <a:fillRect/>
+          </a:stretch>
+        </p:blipFill>
+        <p:spPr>
+          <a:xfrm>
+            <a:off x="11762868" y="27813000"/>
+            <a:ext cx="6494403" cy="4329601"/>
+          </a:xfrm>
+          <a:prstGeom prst="rect">
+            <a:avLst/>
+          </a:prstGeom>
+        </p:spPr>
+      </p:pic>
+      <p:graphicFrame>
+        <p:nvGraphicFramePr>
+          <p:cNvPr id="28" name="Table 27">
+            <a:extLst>
+              <a:ext uri="{FF2B5EF4-FFF2-40B4-BE49-F238E27FC236}">
+                <a16:creationId xmlns:a16="http://schemas.microsoft.com/office/drawing/2014/main" id="{E5DCE727-797A-4A4C-88F7-7A356A246FE2}"/>
+              </a:ext>
+            </a:extLst>
+          </p:cNvPr>
+          <p:cNvGraphicFramePr>
+            <a:graphicFrameLocks noGrp="1"/>
+          </p:cNvGraphicFramePr>
+          <p:nvPr>
+            <p:extLst>
+              <p:ext uri="{D42A27DB-BD31-4B8C-83A1-F6EECF244321}">
+                <p14:modId xmlns:p14="http://schemas.microsoft.com/office/powerpoint/2010/main" val="2303311289"/>
+              </p:ext>
+            </p:extLst>
+          </p:nvPr>
+        </p:nvGraphicFramePr>
+        <p:xfrm>
+          <a:off x="33595666" y="7473506"/>
+          <a:ext cx="8324706" cy="4389120"/>
+        </p:xfrm>
+        <a:graphic>
+          <a:graphicData uri="http://schemas.openxmlformats.org/drawingml/2006/table">
+            <a:tbl>
+              <a:tblPr firstRow="1" bandRow="1">
+                <a:tableStyleId>{073A0DAA-6AF3-43AB-8588-CEC1D06C72B9}</a:tableStyleId>
+              </a:tblPr>
+              <a:tblGrid>
+                <a:gridCol w="4413407">
+                  <a:extLst>
+                    <a:ext uri="{9D8B030D-6E8A-4147-A177-3AD203B41FA5}">
+                      <a16:colId xmlns:a16="http://schemas.microsoft.com/office/drawing/2014/main" val="3223566139"/>
+                    </a:ext>
+                  </a:extLst>
+                </a:gridCol>
+                <a:gridCol w="3911299">
+                  <a:extLst>
+                    <a:ext uri="{9D8B030D-6E8A-4147-A177-3AD203B41FA5}">
+                      <a16:colId xmlns:a16="http://schemas.microsoft.com/office/drawing/2014/main" val="2961584621"/>
+                    </a:ext>
+                  </a:extLst>
+                </a:gridCol>
+              </a:tblGrid>
+              <a:tr h="535195">
+                <a:tc gridSpan="2">
+                  <a:txBody>
+                    <a:bodyPr/>
+                    <a:lstStyle/>
+                    <a:p>
+                      <a:pPr marL="0" marR="0" lvl="0" indent="0" algn="ctr" defTabSz="3291279" rtl="0" eaLnBrk="1" fontAlgn="auto" latinLnBrk="0" hangingPunct="1">
+                        <a:lnSpc>
+                          <a:spcPct val="100000"/>
+                        </a:lnSpc>
+                        <a:spcBef>
+                          <a:spcPts val="0"/>
+                        </a:spcBef>
+                        <a:spcAft>
+                          <a:spcPts val="0"/>
+                        </a:spcAft>
+                        <a:buClrTx/>
+                        <a:buSzTx/>
+                        <a:buFontTx/>
+                        <a:buNone/>
+                        <a:tabLst/>
+                        <a:defRPr/>
+                      </a:pPr>
+                      <a:r>
+                        <a:rPr lang="en-US" sz="3000" b="1" dirty="0">
+                          <a:solidFill>
+                            <a:srgbClr val="000000"/>
+                          </a:solidFill>
+                        </a:rPr>
+                        <a:t>10% and 20% infills</a:t>
+                      </a:r>
+                    </a:p>
+                  </a:txBody>
+                  <a:tcPr/>
+                </a:tc>
+                <a:tc hMerge="1">
+                  <a:txBody>
+                    <a:bodyPr/>
+                    <a:lstStyle/>
+                    <a:p>
+                      <a:endParaRPr lang="en-US" sz="3000" dirty="0">
+                        <a:solidFill>
+                          <a:srgbClr val="000000"/>
+                        </a:solidFill>
+                      </a:endParaRPr>
+                    </a:p>
+                  </a:txBody>
+                  <a:tcPr/>
+                </a:tc>
+                <a:extLst>
+                  <a:ext uri="{0D108BD9-81ED-4DB2-BD59-A6C34878D82A}">
+                    <a16:rowId xmlns:a16="http://schemas.microsoft.com/office/drawing/2014/main" val="2567494846"/>
+                  </a:ext>
+                </a:extLst>
+              </a:tr>
+              <a:tr h="535195">
+                <a:tc>
+                  <a:txBody>
+                    <a:bodyPr/>
+                    <a:lstStyle/>
+                    <a:p>
+                      <a:r>
+                        <a:rPr lang="en-US" sz="3000" dirty="0">
+                          <a:solidFill>
+                            <a:srgbClr val="000000"/>
+                          </a:solidFill>
+                        </a:rPr>
+                        <a:t>Test Statistic</a:t>
+                      </a:r>
+                    </a:p>
+                  </a:txBody>
+                  <a:tcPr/>
+                </a:tc>
+                <a:tc>
+                  <a:txBody>
+                    <a:bodyPr/>
+                    <a:lstStyle/>
+                    <a:p>
+                      <a:endParaRPr lang="en-US" sz="3000" dirty="0">
+                        <a:solidFill>
+                          <a:srgbClr val="000000"/>
+                        </a:solidFill>
+                      </a:endParaRPr>
+                    </a:p>
+                  </a:txBody>
+                  <a:tcPr/>
+                </a:tc>
+                <a:extLst>
+                  <a:ext uri="{0D108BD9-81ED-4DB2-BD59-A6C34878D82A}">
+                    <a16:rowId xmlns:a16="http://schemas.microsoft.com/office/drawing/2014/main" val="2450659067"/>
+                  </a:ext>
+                </a:extLst>
+              </a:tr>
+              <a:tr h="535195">
+                <a:tc>
+                  <a:txBody>
+                    <a:bodyPr/>
+                    <a:lstStyle/>
+                    <a:p>
+                      <a:r>
+                        <a:rPr lang="en-US" sz="3000" dirty="0">
+                          <a:solidFill>
+                            <a:srgbClr val="000000"/>
+                          </a:solidFill>
+                        </a:rPr>
+                        <a:t>p-value (two-tailed)</a:t>
+                      </a:r>
+                    </a:p>
+                  </a:txBody>
+                  <a:tcPr/>
+                </a:tc>
+                <a:tc>
+                  <a:txBody>
+                    <a:bodyPr/>
+                    <a:lstStyle/>
+                    <a:p>
+                      <a:endParaRPr lang="en-US" sz="3000" dirty="0">
+                        <a:solidFill>
+                          <a:srgbClr val="000000"/>
+                        </a:solidFill>
+                      </a:endParaRPr>
+                    </a:p>
+                  </a:txBody>
+                  <a:tcPr/>
+                </a:tc>
+                <a:extLst>
+                  <a:ext uri="{0D108BD9-81ED-4DB2-BD59-A6C34878D82A}">
+                    <a16:rowId xmlns:a16="http://schemas.microsoft.com/office/drawing/2014/main" val="2025796259"/>
+                  </a:ext>
+                </a:extLst>
+              </a:tr>
+              <a:tr h="535195">
+                <a:tc>
+                  <a:txBody>
+                    <a:bodyPr/>
+                    <a:lstStyle/>
+                    <a:p>
+                      <a:r>
+                        <a:rPr lang="en-US" sz="3000" dirty="0">
+                          <a:solidFill>
+                            <a:srgbClr val="000000"/>
+                          </a:solidFill>
+                        </a:rPr>
+                        <a:t>p-value (one-tailed)</a:t>
+                      </a:r>
+                    </a:p>
+                  </a:txBody>
+                  <a:tcPr/>
+                </a:tc>
+                <a:tc>
+                  <a:txBody>
+                    <a:bodyPr/>
+                    <a:lstStyle/>
+                    <a:p>
+                      <a:endParaRPr lang="en-US" sz="3000" dirty="0">
+                        <a:solidFill>
+                          <a:srgbClr val="000000"/>
+                        </a:solidFill>
+                      </a:endParaRPr>
+                    </a:p>
+                  </a:txBody>
+                  <a:tcPr/>
+                </a:tc>
+                <a:extLst>
+                  <a:ext uri="{0D108BD9-81ED-4DB2-BD59-A6C34878D82A}">
+                    <a16:rowId xmlns:a16="http://schemas.microsoft.com/office/drawing/2014/main" val="2103021004"/>
+                  </a:ext>
+                </a:extLst>
+              </a:tr>
+              <a:tr h="535195">
+                <a:tc gridSpan="2">
+                  <a:txBody>
+                    <a:bodyPr/>
+                    <a:lstStyle/>
+                    <a:p>
+                      <a:pPr marL="0" marR="0" lvl="0" indent="0" algn="ctr" defTabSz="3291279" rtl="0" eaLnBrk="1" fontAlgn="auto" latinLnBrk="0" hangingPunct="1">
+                        <a:lnSpc>
+                          <a:spcPct val="100000"/>
+                        </a:lnSpc>
+                        <a:spcBef>
+                          <a:spcPts val="0"/>
+                        </a:spcBef>
+                        <a:spcAft>
+                          <a:spcPts val="0"/>
+                        </a:spcAft>
+                        <a:buClrTx/>
+                        <a:buSzTx/>
+                        <a:buFontTx/>
+                        <a:buNone/>
+                        <a:tabLst/>
+                        <a:defRPr/>
+                      </a:pPr>
+                      <a:r>
+                        <a:rPr lang="en-US" sz="3000" b="1" dirty="0">
+                          <a:solidFill>
+                            <a:srgbClr val="000000"/>
+                          </a:solidFill>
+                        </a:rPr>
+                        <a:t>20% and 30% infills</a:t>
+                      </a:r>
+                    </a:p>
+                  </a:txBody>
+                  <a:tcPr/>
+                </a:tc>
+                <a:tc hMerge="1">
+                  <a:txBody>
+                    <a:bodyPr/>
+                    <a:lstStyle/>
+                    <a:p>
+                      <a:endParaRPr lang="en-US" sz="3000" dirty="0">
+                        <a:solidFill>
+                          <a:srgbClr val="000000"/>
+                        </a:solidFill>
+                      </a:endParaRPr>
+                    </a:p>
+                  </a:txBody>
+                  <a:tcPr/>
+                </a:tc>
+                <a:extLst>
+                  <a:ext uri="{0D108BD9-81ED-4DB2-BD59-A6C34878D82A}">
+                    <a16:rowId xmlns:a16="http://schemas.microsoft.com/office/drawing/2014/main" val="2802970568"/>
+                  </a:ext>
+                </a:extLst>
+              </a:tr>
+              <a:tr h="535195">
+                <a:tc>
+                  <a:txBody>
+                    <a:bodyPr/>
+                    <a:lstStyle/>
+                    <a:p>
+                      <a:r>
+                        <a:rPr lang="en-US" sz="3000" dirty="0">
+                          <a:solidFill>
+                            <a:srgbClr val="000000"/>
+                          </a:solidFill>
+                        </a:rPr>
+                        <a:t>Test Statistic</a:t>
+                      </a:r>
+                    </a:p>
+                  </a:txBody>
+                  <a:tcPr/>
+                </a:tc>
+                <a:tc>
+                  <a:txBody>
+                    <a:bodyPr/>
+                    <a:lstStyle/>
+                    <a:p>
+                      <a:r>
+                        <a:rPr lang="en-US" sz="3000" dirty="0">
+                          <a:solidFill>
+                            <a:srgbClr val="000000"/>
+                          </a:solidFill>
+                        </a:rPr>
+                        <a:t>-5.2484</a:t>
+                      </a:r>
+                    </a:p>
+                  </a:txBody>
+                  <a:tcPr/>
+                </a:tc>
+                <a:extLst>
+                  <a:ext uri="{0D108BD9-81ED-4DB2-BD59-A6C34878D82A}">
+                    <a16:rowId xmlns:a16="http://schemas.microsoft.com/office/drawing/2014/main" val="47431709"/>
+                  </a:ext>
+                </a:extLst>
+              </a:tr>
+              <a:tr h="535195">
+                <a:tc>
+                  <a:txBody>
+                    <a:bodyPr/>
+                    <a:lstStyle/>
+                    <a:p>
+                      <a:r>
+                        <a:rPr lang="en-US" sz="3000" dirty="0">
+                          <a:solidFill>
+                            <a:srgbClr val="000000"/>
+                          </a:solidFill>
+                        </a:rPr>
+                        <a:t>p-value (two-tailed)</a:t>
+                      </a:r>
+                    </a:p>
+                  </a:txBody>
+                  <a:tcPr/>
+                </a:tc>
+                <a:tc>
+                  <a:txBody>
+                    <a:bodyPr/>
+                    <a:lstStyle/>
+                    <a:p>
+                      <a:r>
+                        <a:rPr lang="en-US" sz="3000" baseline="0" dirty="0">
+                          <a:solidFill>
+                            <a:srgbClr val="000000"/>
+                          </a:solidFill>
+                        </a:rPr>
+                        <a:t>&lt; 0.0001</a:t>
+                      </a:r>
+                    </a:p>
+                  </a:txBody>
+                  <a:tcPr/>
+                </a:tc>
+                <a:extLst>
+                  <a:ext uri="{0D108BD9-81ED-4DB2-BD59-A6C34878D82A}">
+                    <a16:rowId xmlns:a16="http://schemas.microsoft.com/office/drawing/2014/main" val="2210294868"/>
+                  </a:ext>
+                </a:extLst>
+              </a:tr>
+              <a:tr h="535195">
+                <a:tc>
+                  <a:txBody>
+                    <a:bodyPr/>
+                    <a:lstStyle/>
+                    <a:p>
+                      <a:r>
+                        <a:rPr lang="en-US" sz="3000" dirty="0">
+                          <a:solidFill>
+                            <a:srgbClr val="000000"/>
+                          </a:solidFill>
+                        </a:rPr>
+                        <a:t>p-value (one-tailed)</a:t>
+                      </a:r>
+                    </a:p>
+                  </a:txBody>
+                  <a:tcPr/>
+                </a:tc>
+                <a:tc>
+                  <a:txBody>
+                    <a:bodyPr/>
+                    <a:lstStyle/>
+                    <a:p>
+                      <a:r>
+                        <a:rPr lang="en-US" sz="3000" dirty="0">
+                          <a:solidFill>
+                            <a:srgbClr val="000000"/>
+                          </a:solidFill>
+                        </a:rPr>
+                        <a:t>&lt; 0.0001</a:t>
+                      </a:r>
+                    </a:p>
+                  </a:txBody>
+                  <a:tcPr/>
+                </a:tc>
+                <a:extLst>
+                  <a:ext uri="{0D108BD9-81ED-4DB2-BD59-A6C34878D82A}">
+                    <a16:rowId xmlns:a16="http://schemas.microsoft.com/office/drawing/2014/main" val="3912994308"/>
+                  </a:ext>
+                </a:extLst>
+              </a:tr>
+            </a:tbl>
+          </a:graphicData>
+        </a:graphic>
+      </p:graphicFrame>
+      <p:sp>
+        <p:nvSpPr>
+          <p:cNvPr id="65" name="TextBox 64">
+            <a:extLst>
+              <a:ext uri="{FF2B5EF4-FFF2-40B4-BE49-F238E27FC236}">
+                <a16:creationId xmlns:a16="http://schemas.microsoft.com/office/drawing/2014/main" id="{F0AE0C9F-7A59-2C4A-8902-C197A903B5C3}"/>
+              </a:ext>
+            </a:extLst>
+          </p:cNvPr>
+          <p:cNvSpPr txBox="1"/>
+          <p:nvPr/>
+        </p:nvSpPr>
+        <p:spPr>
+          <a:xfrm>
+            <a:off x="18430698" y="32194079"/>
+            <a:ext cx="7098869" cy="400110"/>
+          </a:xfrm>
+          <a:prstGeom prst="rect">
+            <a:avLst/>
+          </a:prstGeom>
+          <a:noFill/>
+        </p:spPr>
+        <p:txBody>
+          <a:bodyPr wrap="square" rtlCol="0">
+            <a:spAutoFit/>
+          </a:bodyPr>
+          <a:lstStyle/>
+          <a:p>
+            <a:pPr algn="ctr"/>
+            <a:r>
+              <a:rPr lang="en-US" sz="2000" b="1" dirty="0"/>
+              <a:t>Figure 6:</a:t>
+            </a:r>
+            <a:r>
+              <a:rPr lang="en-US" sz="2000" dirty="0"/>
+              <a:t> 20% Infill Temperature Centers, STD</a:t>
+            </a:r>
+            <a:r>
+              <a:rPr lang="en-US" sz="2000" baseline="-25000" dirty="0"/>
+              <a:t>x</a:t>
+            </a:r>
+            <a:r>
+              <a:rPr lang="en-US" sz="2000" dirty="0"/>
+              <a:t> = 1.36, STD</a:t>
+            </a:r>
+            <a:r>
+              <a:rPr lang="en-US" sz="2000" baseline="-25000" dirty="0"/>
+              <a:t>y</a:t>
+            </a:r>
+            <a:r>
+              <a:rPr lang="en-US" sz="2000" dirty="0"/>
+              <a:t> = 2.26</a:t>
+            </a:r>
+            <a:endParaRPr lang="en-US" sz="2000" b="1" dirty="0"/>
+          </a:p>
+        </p:txBody>
+      </p:sp>
+      <p:sp>
+        <p:nvSpPr>
+          <p:cNvPr id="67" name="TextBox 66">
+            <a:extLst>
+              <a:ext uri="{FF2B5EF4-FFF2-40B4-BE49-F238E27FC236}">
+                <a16:creationId xmlns:a16="http://schemas.microsoft.com/office/drawing/2014/main" id="{7F2B411E-0A96-3848-9E25-E8271EC32FB9}"/>
+              </a:ext>
+            </a:extLst>
+          </p:cNvPr>
+          <p:cNvSpPr txBox="1"/>
+          <p:nvPr/>
+        </p:nvSpPr>
+        <p:spPr>
+          <a:xfrm>
+            <a:off x="11460634" y="32185178"/>
+            <a:ext cx="7098869" cy="400110"/>
+          </a:xfrm>
+          <a:prstGeom prst="rect">
+            <a:avLst/>
+          </a:prstGeom>
+          <a:noFill/>
+        </p:spPr>
+        <p:txBody>
+          <a:bodyPr wrap="square" rtlCol="0">
+            <a:spAutoFit/>
+          </a:bodyPr>
+          <a:lstStyle/>
+          <a:p>
+            <a:pPr algn="ctr"/>
+            <a:r>
+              <a:rPr lang="en-US" sz="2000" b="1" dirty="0"/>
+              <a:t>Figure 5:</a:t>
+            </a:r>
+            <a:r>
+              <a:rPr lang="en-US" sz="2000" dirty="0"/>
+              <a:t> 10% Infill Temperature Centers, STD</a:t>
+            </a:r>
+            <a:r>
+              <a:rPr lang="en-US" sz="2000" baseline="-25000" dirty="0"/>
+              <a:t>x</a:t>
+            </a:r>
+            <a:r>
+              <a:rPr lang="en-US" sz="2000" dirty="0"/>
+              <a:t> = ____, STD</a:t>
+            </a:r>
+            <a:r>
+              <a:rPr lang="en-US" sz="2000" baseline="-25000" dirty="0"/>
+              <a:t>y</a:t>
+            </a:r>
+            <a:r>
+              <a:rPr lang="en-US" sz="2000" dirty="0"/>
+              <a:t> = ____</a:t>
+            </a:r>
+            <a:endParaRPr lang="en-US" sz="2000" b="1" dirty="0"/>
+          </a:p>
+        </p:txBody>
+      </p:sp>
+      <p:sp>
+        <p:nvSpPr>
+          <p:cNvPr id="68" name="TextBox 67">
+            <a:extLst>
+              <a:ext uri="{FF2B5EF4-FFF2-40B4-BE49-F238E27FC236}">
+                <a16:creationId xmlns:a16="http://schemas.microsoft.com/office/drawing/2014/main" id="{17299C08-0119-1645-A675-6BCB7446557E}"/>
+              </a:ext>
+            </a:extLst>
+          </p:cNvPr>
+          <p:cNvSpPr txBox="1"/>
+          <p:nvPr/>
+        </p:nvSpPr>
+        <p:spPr>
+          <a:xfrm>
+            <a:off x="25400204" y="32185178"/>
+            <a:ext cx="7098869" cy="400110"/>
+          </a:xfrm>
+          <a:prstGeom prst="rect">
+            <a:avLst/>
+          </a:prstGeom>
+          <a:noFill/>
+        </p:spPr>
+        <p:txBody>
+          <a:bodyPr wrap="square" rtlCol="0">
+            <a:spAutoFit/>
+          </a:bodyPr>
+          <a:lstStyle/>
+          <a:p>
+            <a:pPr algn="ctr"/>
+            <a:r>
+              <a:rPr lang="en-US" sz="2000" b="1" dirty="0"/>
+              <a:t>Figure 7:</a:t>
+            </a:r>
+            <a:r>
+              <a:rPr lang="en-US" sz="2000" dirty="0"/>
+              <a:t> 30% Infill Temperature Centers, STD</a:t>
+            </a:r>
+            <a:r>
+              <a:rPr lang="en-US" sz="2000" baseline="-25000" dirty="0"/>
+              <a:t>x</a:t>
+            </a:r>
+            <a:r>
+              <a:rPr lang="en-US" sz="2000" dirty="0"/>
+              <a:t> = 1.48, STD</a:t>
+            </a:r>
+            <a:r>
+              <a:rPr lang="en-US" sz="2000" baseline="-25000" dirty="0"/>
+              <a:t>y</a:t>
+            </a:r>
+            <a:r>
+              <a:rPr lang="en-US" sz="2000" dirty="0"/>
+              <a:t> = 1.11</a:t>
+            </a:r>
+            <a:endParaRPr lang="en-US" sz="2000" b="1" dirty="0"/>
+          </a:p>
+        </p:txBody>
+      </p:sp>
     </p:spTree>
     <p:extLst>
       <p:ext uri="{BB962C8B-B14F-4D97-AF65-F5344CB8AC3E}">

--- a/Poster Board.pptx
+++ b/Poster Board.pptx
@@ -2006,7 +2006,7 @@
           <a:p>
             <a:fld id="{985D6BDF-9D0E-4E2B-85B8-D8F4790360C9}" type="datetimeFigureOut">
               <a:rPr lang="en-US" smtClean="0"/>
-              <a:t>5/21/19</a:t>
+              <a:t>5/21/2019</a:t>
             </a:fld>
             <a:endParaRPr lang="en-US" dirty="0"/>
           </a:p>
@@ -2217,7 +2217,7 @@
           <a:p>
             <a:fld id="{985D6BDF-9D0E-4E2B-85B8-D8F4790360C9}" type="datetimeFigureOut">
               <a:rPr lang="en-US" smtClean="0"/>
-              <a:t>5/21/19</a:t>
+              <a:t>5/21/2019</a:t>
             </a:fld>
             <a:endParaRPr lang="en-US" dirty="0"/>
           </a:p>
@@ -4800,8 +4800,8 @@
           </a:p>
         </p:txBody>
       </p:sp>
-      <mc:AlternateContent xmlns:mc="http://schemas.openxmlformats.org/markup-compatibility/2006">
-        <mc:Choice xmlns:a14="http://schemas.microsoft.com/office/drawing/2010/main" Requires="a14">
+      <mc:AlternateContent xmlns:mc="http://schemas.openxmlformats.org/markup-compatibility/2006" xmlns:a14="http://schemas.microsoft.com/office/drawing/2010/main">
+        <mc:Choice Requires="a14">
           <p:sp>
             <p:nvSpPr>
               <p:cNvPr id="70" name="Text Box 194">
@@ -4970,7 +4970,7 @@
                     </m:acc>
                     <m:r>
                       <a:rPr lang="en-US" sz="3000" i="1">
-                        <a:latin typeface="+mn-lt"/>
+                        <a:latin typeface="Cambria Math" panose="02040503050406030204" pitchFamily="18" charset="0"/>
                       </a:rPr>
                       <m:t> </m:t>
                     </m:r>
@@ -5420,7 +5420,7 @@
             </p:txBody>
           </p:sp>
         </mc:Choice>
-        <mc:Fallback>
+        <mc:Fallback xmlns="">
           <p:sp>
             <p:nvSpPr>
               <p:cNvPr id="70" name="Text Box 194">
@@ -5492,7 +5492,7 @@
             <p:spPr bwMode="auto">
               <a:xfrm>
                 <a:off x="33186119" y="1696401"/>
-                <a:ext cx="9144000" cy="10514179"/>
+                <a:ext cx="9144000" cy="10975843"/>
               </a:xfrm>
               <a:prstGeom prst="rect">
                 <a:avLst/>
@@ -5776,7 +5776,7 @@
                   <a:rPr lang="en-US" sz="3000" dirty="0">
                     <a:latin typeface="Calibri" pitchFamily="34" charset="0"/>
                   </a:rPr>
-                  <a:t> is the distance from the center to the equilibrium point. The gradient vector was also calculated for each center from the equilibrium point to find the magnitude and direction of net temperature change:</a:t>
+                  <a:t> is the distance from the center to the equilibrium point. The horizontal and vertical components of the gradient vector were also calculated for each center from the equilibrium point to find the magnitude and direction of net temperature change:</a:t>
                 </a:r>
               </a:p>
               <a:p>
@@ -5922,7 +5922,7 @@
                   <a:rPr lang="en-US" sz="3000" dirty="0">
                     <a:latin typeface="Calibri" pitchFamily="34" charset="0"/>
                   </a:rPr>
-                  <a:t>A Welch’s Test was run on the gradients for each infill:</a:t>
+                  <a:t>A Welch’s Test was run on the resultant gradients for each infill:</a:t>
                 </a:r>
               </a:p>
               <a:p>
@@ -6006,7 +6006,7 @@
             <p:spPr bwMode="auto">
               <a:xfrm>
                 <a:off x="33186119" y="1696401"/>
-                <a:ext cx="9144000" cy="10514179"/>
+                <a:ext cx="9144000" cy="10975843"/>
               </a:xfrm>
               <a:prstGeom prst="rect">
                 <a:avLst/>
@@ -6014,7 +6014,7 @@
               <a:blipFill>
                 <a:blip r:embed="rId6"/>
                 <a:stretch>
-                  <a:fillRect l="-970"/>
+                  <a:fillRect l="-999"/>
                 </a:stretch>
               </a:blipFill>
               <a:ln w="12700">
@@ -6121,7 +6121,7 @@
         <p:spPr bwMode="auto">
           <a:xfrm>
             <a:off x="33186119" y="14616246"/>
-            <a:ext cx="9144000" cy="3293163"/>
+            <a:ext cx="9144000" cy="7171147"/>
           </a:xfrm>
           <a:prstGeom prst="rect">
             <a:avLst/>
@@ -6241,16 +6241,52 @@
             </a:lvl9pPr>
           </a:lstStyle>
           <a:p>
-            <a:pPr eaLnBrk="1" hangingPunct="1"/>
+            <a:pPr marL="457200" indent="-457200" eaLnBrk="1" hangingPunct="1">
+              <a:buFont typeface="Arial" panose="020B0604020202020204" pitchFamily="34" charset="0"/>
+              <a:buChar char="•"/>
+            </a:pPr>
             <a:r>
               <a:rPr lang="en-US" sz="2800" dirty="0">
                 <a:latin typeface="Calibri" pitchFamily="34" charset="0"/>
               </a:rPr>
-              <a:t>The Welch’s Tests showed that the mean gradients for the 30% infill were significantly greater (p&lt;0.0001) than the mean gradients for 20% infill. Additionally, the mean gradients for the 20% infill were also significantly greater (p&lt;0.0001) than the mean gradients for the 10% infill. Therefore, the data suggests that there is a greater net heat flow as the infill percentage is increased.</a:t>
-            </a:r>
-            <a:endParaRPr lang="en-US" sz="3000" dirty="0">
+              <a:t>The Welch’s Tests showed that the mean gradients for the 30% infill were significantly greater (p&lt;0.0001) than the mean gradients for 20% infill. Additionally, the mean gradients for the 20% infill were also significantly greater (p&lt;0.0001) than the mean gradients for the 10% infill. Therefore, this data suggests that as infill percentage increases, the mean gradient from equilibrium also increases, and since the gradient is directly proportional to the heat flux density as per Fourier’s Law, the net heat flow also increased.</a:t>
+            </a:r>
+          </a:p>
+          <a:p>
+            <a:pPr eaLnBrk="1" hangingPunct="1"/>
+            <a:endParaRPr lang="en-US" sz="2800" dirty="0">
               <a:latin typeface="Calibri" pitchFamily="34" charset="0"/>
             </a:endParaRPr>
+          </a:p>
+          <a:p>
+            <a:pPr marL="457200" indent="-457200" eaLnBrk="1" hangingPunct="1">
+              <a:buFont typeface="Arial" panose="020B0604020202020204" pitchFamily="34" charset="0"/>
+              <a:buChar char="•"/>
+            </a:pPr>
+            <a:r>
+              <a:rPr lang="en-US" sz="2800" dirty="0">
+                <a:latin typeface="Calibri" pitchFamily="34" charset="0"/>
+              </a:rPr>
+              <a:t>This can be explained because theoretically, thermal conductivity increases with infill percentage since there is more plastic.</a:t>
+            </a:r>
+          </a:p>
+          <a:p>
+            <a:pPr marL="457200" indent="-457200" eaLnBrk="1" hangingPunct="1">
+              <a:buFont typeface="Arial" panose="020B0604020202020204" pitchFamily="34" charset="0"/>
+              <a:buChar char="•"/>
+            </a:pPr>
+            <a:endParaRPr lang="en-US" sz="2800" dirty="0">
+              <a:latin typeface="Calibri" pitchFamily="34" charset="0"/>
+            </a:endParaRPr>
+          </a:p>
+          <a:p>
+            <a:pPr eaLnBrk="1" hangingPunct="1"/>
+            <a:r>
+              <a:rPr lang="en-US" sz="2800" dirty="0">
+                <a:latin typeface="Calibri" pitchFamily="34" charset="0"/>
+              </a:rPr>
+              <a:t>Therefore, this experiment’s data supported the hypothesis.</a:t>
+            </a:r>
           </a:p>
         </p:txBody>
       </p:sp>
@@ -6333,8 +6369,8 @@
         </p:nvSpPr>
         <p:spPr bwMode="auto">
           <a:xfrm>
-            <a:off x="33186069" y="24051410"/>
-            <a:ext cx="9144000" cy="738617"/>
+            <a:off x="33186069" y="23340880"/>
+            <a:ext cx="9144000" cy="8586920"/>
           </a:xfrm>
           <a:prstGeom prst="rect">
             <a:avLst/>
@@ -6454,12 +6490,57 @@
             </a:lvl9pPr>
           </a:lstStyle>
           <a:p>
-            <a:pPr eaLnBrk="1" hangingPunct="1"/>
+            <a:pPr marL="457200" indent="-457200" eaLnBrk="1" hangingPunct="1">
+              <a:buFont typeface="Arial" panose="020B0604020202020204" pitchFamily="34" charset="0"/>
+              <a:buChar char="•"/>
+            </a:pPr>
             <a:r>
               <a:rPr lang="en-US" sz="3000" dirty="0">
                 <a:latin typeface="Calibri" pitchFamily="34" charset="0"/>
               </a:rPr>
-              <a:t>FUTURE</a:t>
+              <a:t>The conclusions in this study are based on limited data, and repeating this experiment with multiple trials of each infill would reduce the variability of data for each point and allow for more accurate generalizations of a relationship.</a:t>
+            </a:r>
+          </a:p>
+          <a:p>
+            <a:pPr marL="457200" indent="-457200" eaLnBrk="1" hangingPunct="1">
+              <a:buFont typeface="Arial" panose="020B0604020202020204" pitchFamily="34" charset="0"/>
+              <a:buChar char="•"/>
+            </a:pPr>
+            <a:endParaRPr lang="en-US" sz="3000" dirty="0">
+              <a:latin typeface="Calibri" pitchFamily="34" charset="0"/>
+            </a:endParaRPr>
+          </a:p>
+          <a:p>
+            <a:pPr marL="457200" indent="-457200" eaLnBrk="1" hangingPunct="1">
+              <a:buFont typeface="Arial" panose="020B0604020202020204" pitchFamily="34" charset="0"/>
+              <a:buChar char="•"/>
+            </a:pPr>
+            <a:r>
+              <a:rPr lang="en-US" sz="3000" dirty="0">
+                <a:latin typeface="Calibri" pitchFamily="34" charset="0"/>
+              </a:rPr>
+              <a:t>More infill percentages can also be printed to investigate whether the suggested relationship is maintained. Other parameters can also be considered, such as infill pattern and filament material or color.</a:t>
+            </a:r>
+          </a:p>
+          <a:p>
+            <a:pPr marL="457200" indent="-457200" eaLnBrk="1" hangingPunct="1">
+              <a:buFont typeface="Arial" panose="020B0604020202020204" pitchFamily="34" charset="0"/>
+              <a:buChar char="•"/>
+            </a:pPr>
+            <a:endParaRPr lang="en-US" sz="3000" dirty="0">
+              <a:latin typeface="Calibri" pitchFamily="34" charset="0"/>
+            </a:endParaRPr>
+          </a:p>
+          <a:p>
+            <a:pPr marL="457200" indent="-457200" eaLnBrk="1" hangingPunct="1">
+              <a:buFont typeface="Arial" panose="020B0604020202020204" pitchFamily="34" charset="0"/>
+              <a:buChar char="•"/>
+            </a:pPr>
+            <a:r>
+              <a:rPr lang="en-US" sz="3000" dirty="0">
+                <a:latin typeface="Calibri" pitchFamily="34" charset="0"/>
+              </a:rPr>
+              <a:t>As temperature is a scalar function, to actually be able to accurately analyze the temperature gradients in this experiment, the function must be known. Future research on finding this function using scattered, discrete temperature values can be conducted, such as by using Deep Learning models like Artificial Neural Networks to produce mapping functions for the data.</a:t>
             </a:r>
           </a:p>
         </p:txBody>
@@ -6478,7 +6559,7 @@
         </p:nvSpPr>
         <p:spPr>
           <a:xfrm>
-            <a:off x="33186019" y="22770164"/>
+            <a:off x="33186019" y="22059634"/>
             <a:ext cx="9144000" cy="1264196"/>
           </a:xfrm>
           <a:prstGeom prst="rect">
@@ -9157,114 +9238,6 @@
           </a:graphicData>
         </a:graphic>
       </p:graphicFrame>
-      <p:pic>
-        <p:nvPicPr>
-          <p:cNvPr id="24" name="Picture 23" descr="A screenshot of a map&#10;&#10;Description automatically generated">
-            <a:extLst>
-              <a:ext uri="{FF2B5EF4-FFF2-40B4-BE49-F238E27FC236}">
-                <a16:creationId xmlns:a16="http://schemas.microsoft.com/office/drawing/2014/main" id="{4842B761-F96A-C045-923E-BCCF91BC939B}"/>
-              </a:ext>
-            </a:extLst>
-          </p:cNvPr>
-          <p:cNvPicPr>
-            <a:picLocks noChangeAspect="1"/>
-          </p:cNvPicPr>
-          <p:nvPr/>
-        </p:nvPicPr>
-        <p:blipFill>
-          <a:blip r:embed="rId8">
-            <a:extLst>
-              <a:ext uri="{28A0092B-C50C-407E-A947-70E740481C1C}">
-                <a14:useLocalDpi xmlns:a14="http://schemas.microsoft.com/office/drawing/2010/main" val="0"/>
-              </a:ext>
-            </a:extLst>
-          </a:blip>
-          <a:stretch>
-            <a:fillRect/>
-          </a:stretch>
-        </p:blipFill>
-        <p:spPr>
-          <a:xfrm>
-            <a:off x="18732932" y="27813000"/>
-            <a:ext cx="6494403" cy="4329601"/>
-          </a:xfrm>
-          <a:prstGeom prst="rect">
-            <a:avLst/>
-          </a:prstGeom>
-        </p:spPr>
-      </p:pic>
-      <p:pic>
-        <p:nvPicPr>
-          <p:cNvPr id="27" name="Picture 26" descr="A close up of a map&#10;&#10;Description automatically generated">
-            <a:extLst>
-              <a:ext uri="{FF2B5EF4-FFF2-40B4-BE49-F238E27FC236}">
-                <a16:creationId xmlns:a16="http://schemas.microsoft.com/office/drawing/2014/main" id="{239CE35F-6E8A-D44A-81EB-CE5B754E532D}"/>
-              </a:ext>
-            </a:extLst>
-          </p:cNvPr>
-          <p:cNvPicPr>
-            <a:picLocks noChangeAspect="1"/>
-          </p:cNvPicPr>
-          <p:nvPr/>
-        </p:nvPicPr>
-        <p:blipFill>
-          <a:blip r:embed="rId9">
-            <a:extLst>
-              <a:ext uri="{28A0092B-C50C-407E-A947-70E740481C1C}">
-                <a14:useLocalDpi xmlns:a14="http://schemas.microsoft.com/office/drawing/2010/main" val="0"/>
-              </a:ext>
-            </a:extLst>
-          </a:blip>
-          <a:stretch>
-            <a:fillRect/>
-          </a:stretch>
-        </p:blipFill>
-        <p:spPr>
-          <a:xfrm>
-            <a:off x="25702996" y="27813000"/>
-            <a:ext cx="6494402" cy="4329601"/>
-          </a:xfrm>
-          <a:prstGeom prst="rect">
-            <a:avLst/>
-          </a:prstGeom>
-        </p:spPr>
-      </p:pic>
-      <p:pic>
-        <p:nvPicPr>
-          <p:cNvPr id="64" name="Picture 63" descr="A screenshot of a map&#10;&#10;Description automatically generated">
-            <a:extLst>
-              <a:ext uri="{FF2B5EF4-FFF2-40B4-BE49-F238E27FC236}">
-                <a16:creationId xmlns:a16="http://schemas.microsoft.com/office/drawing/2014/main" id="{38ED62A4-3721-F74C-AD63-B2A9CC492489}"/>
-              </a:ext>
-            </a:extLst>
-          </p:cNvPr>
-          <p:cNvPicPr>
-            <a:picLocks noChangeAspect="1"/>
-          </p:cNvPicPr>
-          <p:nvPr/>
-        </p:nvPicPr>
-        <p:blipFill>
-          <a:blip r:embed="rId8">
-            <a:extLst>
-              <a:ext uri="{28A0092B-C50C-407E-A947-70E740481C1C}">
-                <a14:useLocalDpi xmlns:a14="http://schemas.microsoft.com/office/drawing/2010/main" val="0"/>
-              </a:ext>
-            </a:extLst>
-          </a:blip>
-          <a:stretch>
-            <a:fillRect/>
-          </a:stretch>
-        </p:blipFill>
-        <p:spPr>
-          <a:xfrm>
-            <a:off x="11762868" y="27813000"/>
-            <a:ext cx="6494403" cy="4329601"/>
-          </a:xfrm>
-          <a:prstGeom prst="rect">
-            <a:avLst/>
-          </a:prstGeom>
-        </p:spPr>
-      </p:pic>
       <p:graphicFrame>
         <p:nvGraphicFramePr>
           <p:cNvPr id="28" name="Table 27">
@@ -9280,13 +9253,13 @@
           <p:nvPr>
             <p:extLst>
               <p:ext uri="{D42A27DB-BD31-4B8C-83A1-F6EECF244321}">
-                <p14:modId xmlns:p14="http://schemas.microsoft.com/office/powerpoint/2010/main" val="2303311289"/>
+                <p14:modId xmlns:p14="http://schemas.microsoft.com/office/powerpoint/2010/main" val="3592559122"/>
               </p:ext>
             </p:extLst>
           </p:nvPr>
         </p:nvGraphicFramePr>
         <p:xfrm>
-          <a:off x="33595666" y="7473506"/>
+          <a:off x="33595666" y="7855229"/>
           <a:ext cx="8324706" cy="4389120"/>
         </p:xfrm>
         <a:graphic>
@@ -9389,11 +9362,14 @@
                     <a:bodyPr/>
                     <a:lstStyle/>
                     <a:p>
-                      <a:endParaRPr lang="en-US" sz="3000" dirty="0">
-                        <a:solidFill>
-                          <a:srgbClr val="000000"/>
-                        </a:solidFill>
-                      </a:endParaRPr>
+                      <a:r>
+                        <a:rPr lang="en-US" sz="3000" dirty="0">
+                          <a:solidFill>
+                            <a:srgbClr val="000000"/>
+                          </a:solidFill>
+                        </a:rPr>
+                        <a:t>-34.9745</a:t>
+                      </a:r>
                     </a:p>
                   </a:txBody>
                   <a:tcPr/>
@@ -9427,11 +9403,14 @@
                     <a:bodyPr/>
                     <a:lstStyle/>
                     <a:p>
-                      <a:endParaRPr lang="en-US" sz="3000" dirty="0">
-                        <a:solidFill>
-                          <a:srgbClr val="000000"/>
-                        </a:solidFill>
-                      </a:endParaRPr>
+                      <a:r>
+                        <a:rPr lang="en-US" sz="3000" dirty="0">
+                          <a:solidFill>
+                            <a:srgbClr val="000000"/>
+                          </a:solidFill>
+                        </a:rPr>
+                        <a:t>&lt;0.0001</a:t>
+                      </a:r>
                     </a:p>
                   </a:txBody>
                   <a:tcPr/>
@@ -9465,11 +9444,14 @@
                     <a:bodyPr/>
                     <a:lstStyle/>
                     <a:p>
-                      <a:endParaRPr lang="en-US" sz="3000" dirty="0">
-                        <a:solidFill>
-                          <a:srgbClr val="000000"/>
-                        </a:solidFill>
-                      </a:endParaRPr>
+                      <a:r>
+                        <a:rPr lang="en-US" sz="3000" dirty="0">
+                          <a:solidFill>
+                            <a:srgbClr val="000000"/>
+                          </a:solidFill>
+                        </a:rPr>
+                        <a:t>&lt;0.0001</a:t>
+                      </a:r>
                     </a:p>
                   </a:txBody>
                   <a:tcPr/>
@@ -9564,7 +9546,7 @@
                             <a:srgbClr val="000000"/>
                           </a:solidFill>
                         </a:rPr>
-                        <a:t>-5.2484</a:t>
+                        <a:t>-8.4609</a:t>
                       </a:r>
                     </a:p>
                   </a:txBody>
@@ -9676,8 +9658,8 @@
         </p:nvSpPr>
         <p:spPr>
           <a:xfrm>
-            <a:off x="18430698" y="32194079"/>
-            <a:ext cx="7098869" cy="400110"/>
+            <a:off x="18245691" y="32206390"/>
+            <a:ext cx="7399818" cy="369332"/>
           </a:xfrm>
           <a:prstGeom prst="rect">
             <a:avLst/>
@@ -9692,30 +9674,30 @@
           <a:p>
             <a:pPr algn="ctr"/>
             <a:r>
-              <a:rPr lang="en-US" sz="2000" b="1" dirty="0"/>
+              <a:rPr lang="en-US" sz="1800" b="1" dirty="0"/>
               <a:t>Figure 6:</a:t>
             </a:r>
             <a:r>
-              <a:rPr lang="en-US" sz="2000" dirty="0"/>
+              <a:rPr lang="en-US" sz="1800" dirty="0"/>
               <a:t> 20% Infill Temperature Centers, STD</a:t>
             </a:r>
             <a:r>
-              <a:rPr lang="en-US" sz="2000" baseline="-25000" dirty="0"/>
+              <a:rPr lang="en-US" sz="1800" baseline="-25000" dirty="0"/>
               <a:t>x</a:t>
             </a:r>
             <a:r>
-              <a:rPr lang="en-US" sz="2000" dirty="0"/>
-              <a:t> = 1.36, STD</a:t>
-            </a:r>
-            <a:r>
-              <a:rPr lang="en-US" sz="2000" baseline="-25000" dirty="0"/>
+              <a:rPr lang="en-US" sz="1800" dirty="0"/>
+              <a:t> = 1.40, STD</a:t>
+            </a:r>
+            <a:r>
+              <a:rPr lang="en-US" sz="1800" baseline="-25000" dirty="0"/>
               <a:t>y</a:t>
             </a:r>
             <a:r>
-              <a:rPr lang="en-US" sz="2000" dirty="0"/>
-              <a:t> = 2.26</a:t>
-            </a:r>
-            <a:endParaRPr lang="en-US" sz="2000" b="1" dirty="0"/>
+              <a:rPr lang="en-US" sz="1800" dirty="0"/>
+              <a:t> = 0.94</a:t>
+            </a:r>
+            <a:endParaRPr lang="en-US" sz="1800" b="1" dirty="0"/>
           </a:p>
         </p:txBody>
       </p:sp>
@@ -9733,8 +9715,8 @@
         </p:nvSpPr>
         <p:spPr>
           <a:xfrm>
-            <a:off x="11460634" y="32185178"/>
-            <a:ext cx="7098869" cy="400110"/>
+            <a:off x="11235511" y="32206390"/>
+            <a:ext cx="7098869" cy="369332"/>
           </a:xfrm>
           <a:prstGeom prst="rect">
             <a:avLst/>
@@ -9749,30 +9731,30 @@
           <a:p>
             <a:pPr algn="ctr"/>
             <a:r>
-              <a:rPr lang="en-US" sz="2000" b="1" dirty="0"/>
+              <a:rPr lang="en-US" sz="1800" b="1" dirty="0"/>
               <a:t>Figure 5:</a:t>
             </a:r>
             <a:r>
-              <a:rPr lang="en-US" sz="2000" dirty="0"/>
+              <a:rPr lang="en-US" sz="1800" dirty="0"/>
               <a:t> 10% Infill Temperature Centers, STD</a:t>
             </a:r>
             <a:r>
-              <a:rPr lang="en-US" sz="2000" baseline="-25000" dirty="0"/>
+              <a:rPr lang="en-US" sz="1800" baseline="-25000" dirty="0"/>
               <a:t>x</a:t>
             </a:r>
             <a:r>
-              <a:rPr lang="en-US" sz="2000" dirty="0"/>
-              <a:t> = ____, STD</a:t>
-            </a:r>
-            <a:r>
-              <a:rPr lang="en-US" sz="2000" baseline="-25000" dirty="0"/>
+              <a:rPr lang="en-US" sz="1800" dirty="0"/>
+              <a:t> = 0.87, STD</a:t>
+            </a:r>
+            <a:r>
+              <a:rPr lang="en-US" sz="1800" baseline="-25000" dirty="0"/>
               <a:t>y</a:t>
             </a:r>
             <a:r>
-              <a:rPr lang="en-US" sz="2000" dirty="0"/>
-              <a:t> = ____</a:t>
-            </a:r>
-            <a:endParaRPr lang="en-US" sz="2000" b="1" dirty="0"/>
+              <a:rPr lang="en-US" sz="1800" dirty="0"/>
+              <a:t> = 0.59</a:t>
+            </a:r>
+            <a:endParaRPr lang="en-US" sz="1800" b="1" dirty="0"/>
           </a:p>
         </p:txBody>
       </p:sp>
@@ -9791,7 +9773,7 @@
         <p:spPr>
           <a:xfrm>
             <a:off x="25400204" y="32185178"/>
-            <a:ext cx="7098869" cy="400110"/>
+            <a:ext cx="7098869" cy="369332"/>
           </a:xfrm>
           <a:prstGeom prst="rect">
             <a:avLst/>
@@ -9806,33 +9788,141 @@
           <a:p>
             <a:pPr algn="ctr"/>
             <a:r>
-              <a:rPr lang="en-US" sz="2000" b="1" dirty="0"/>
+              <a:rPr lang="en-US" sz="1800" b="1" dirty="0"/>
               <a:t>Figure 7:</a:t>
             </a:r>
             <a:r>
-              <a:rPr lang="en-US" sz="2000" dirty="0"/>
+              <a:rPr lang="en-US" sz="1800" dirty="0"/>
               <a:t> 30% Infill Temperature Centers, STD</a:t>
             </a:r>
             <a:r>
-              <a:rPr lang="en-US" sz="2000" baseline="-25000" dirty="0"/>
+              <a:rPr lang="en-US" sz="1800" baseline="-25000" dirty="0"/>
               <a:t>x</a:t>
             </a:r>
             <a:r>
-              <a:rPr lang="en-US" sz="2000" dirty="0"/>
-              <a:t> = 1.48, STD</a:t>
-            </a:r>
-            <a:r>
-              <a:rPr lang="en-US" sz="2000" baseline="-25000" dirty="0"/>
+              <a:rPr lang="en-US" sz="1800" dirty="0"/>
+              <a:t> = 0.87, STD</a:t>
+            </a:r>
+            <a:r>
+              <a:rPr lang="en-US" sz="1800" baseline="-25000" dirty="0"/>
               <a:t>y</a:t>
             </a:r>
             <a:r>
-              <a:rPr lang="en-US" sz="2000" dirty="0"/>
-              <a:t> = 1.11</a:t>
-            </a:r>
-            <a:endParaRPr lang="en-US" sz="2000" b="1" dirty="0"/>
+              <a:rPr lang="en-US" sz="1800" dirty="0"/>
+              <a:t> = 0.64</a:t>
+            </a:r>
+            <a:endParaRPr lang="en-US" sz="1800" b="1" dirty="0"/>
           </a:p>
         </p:txBody>
       </p:sp>
+      <p:pic>
+        <p:nvPicPr>
+          <p:cNvPr id="7" name="Picture 6" descr="A close up of a map&#10;&#10;Description automatically generated">
+            <a:extLst>
+              <a:ext uri="{FF2B5EF4-FFF2-40B4-BE49-F238E27FC236}">
+                <a16:creationId xmlns:a16="http://schemas.microsoft.com/office/drawing/2014/main" id="{624FC9DC-61EA-4A14-8295-870EEA057A26}"/>
+              </a:ext>
+            </a:extLst>
+          </p:cNvPr>
+          <p:cNvPicPr>
+            <a:picLocks noChangeAspect="1"/>
+          </p:cNvPicPr>
+          <p:nvPr/>
+        </p:nvPicPr>
+        <p:blipFill>
+          <a:blip r:embed="rId8">
+            <a:extLst>
+              <a:ext uri="{28A0092B-C50C-407E-A947-70E740481C1C}">
+                <a14:useLocalDpi xmlns:a14="http://schemas.microsoft.com/office/drawing/2010/main" val="0"/>
+              </a:ext>
+            </a:extLst>
+          </a:blip>
+          <a:stretch>
+            <a:fillRect/>
+          </a:stretch>
+        </p:blipFill>
+        <p:spPr>
+          <a:xfrm>
+            <a:off x="11919447" y="27817066"/>
+            <a:ext cx="5967281" cy="4297680"/>
+          </a:xfrm>
+          <a:prstGeom prst="rect">
+            <a:avLst/>
+          </a:prstGeom>
+        </p:spPr>
+      </p:pic>
+      <p:pic>
+        <p:nvPicPr>
+          <p:cNvPr id="9" name="Picture 8" descr="A close up of a map&#10;&#10;Description automatically generated">
+            <a:extLst>
+              <a:ext uri="{FF2B5EF4-FFF2-40B4-BE49-F238E27FC236}">
+                <a16:creationId xmlns:a16="http://schemas.microsoft.com/office/drawing/2014/main" id="{3150786E-67C3-4500-B088-0B6E6AF9285F}"/>
+              </a:ext>
+            </a:extLst>
+          </p:cNvPr>
+          <p:cNvPicPr>
+            <a:picLocks noChangeAspect="1"/>
+          </p:cNvPicPr>
+          <p:nvPr/>
+        </p:nvPicPr>
+        <p:blipFill>
+          <a:blip r:embed="rId9">
+            <a:extLst>
+              <a:ext uri="{28A0092B-C50C-407E-A947-70E740481C1C}">
+                <a14:useLocalDpi xmlns:a14="http://schemas.microsoft.com/office/drawing/2010/main" val="0"/>
+              </a:ext>
+            </a:extLst>
+          </a:blip>
+          <a:stretch>
+            <a:fillRect/>
+          </a:stretch>
+        </p:blipFill>
+        <p:spPr>
+          <a:xfrm>
+            <a:off x="18941874" y="27817066"/>
+            <a:ext cx="5968977" cy="4298901"/>
+          </a:xfrm>
+          <a:prstGeom prst="rect">
+            <a:avLst/>
+          </a:prstGeom>
+        </p:spPr>
+      </p:pic>
+      <p:pic>
+        <p:nvPicPr>
+          <p:cNvPr id="13" name="Picture 12" descr="A screenshot of a map&#10;&#10;Description automatically generated">
+            <a:extLst>
+              <a:ext uri="{FF2B5EF4-FFF2-40B4-BE49-F238E27FC236}">
+                <a16:creationId xmlns:a16="http://schemas.microsoft.com/office/drawing/2014/main" id="{4BC37B54-F897-4358-8D5A-932DC0B3EDA7}"/>
+              </a:ext>
+            </a:extLst>
+          </p:cNvPr>
+          <p:cNvPicPr>
+            <a:picLocks noChangeAspect="1"/>
+          </p:cNvPicPr>
+          <p:nvPr/>
+        </p:nvPicPr>
+        <p:blipFill>
+          <a:blip r:embed="rId10">
+            <a:extLst>
+              <a:ext uri="{28A0092B-C50C-407E-A947-70E740481C1C}">
+                <a14:useLocalDpi xmlns:a14="http://schemas.microsoft.com/office/drawing/2010/main" val="0"/>
+              </a:ext>
+            </a:extLst>
+          </a:blip>
+          <a:stretch>
+            <a:fillRect/>
+          </a:stretch>
+        </p:blipFill>
+        <p:spPr>
+          <a:xfrm>
+            <a:off x="25965997" y="27822418"/>
+            <a:ext cx="5967281" cy="4297680"/>
+          </a:xfrm>
+          <a:prstGeom prst="rect">
+            <a:avLst/>
+          </a:prstGeom>
+        </p:spPr>
+      </p:pic>
     </p:spTree>
     <p:extLst>
       <p:ext uri="{BB962C8B-B14F-4D97-AF65-F5344CB8AC3E}">

--- a/Poster Board.pptx
+++ b/Poster Board.pptx
@@ -2006,7 +2006,7 @@
           <a:p>
             <a:fld id="{985D6BDF-9D0E-4E2B-85B8-D8F4790360C9}" type="datetimeFigureOut">
               <a:rPr lang="en-US" smtClean="0"/>
-              <a:t>5/21/2019</a:t>
+              <a:t>5/22/2019</a:t>
             </a:fld>
             <a:endParaRPr lang="en-US" dirty="0"/>
           </a:p>
@@ -2217,7 +2217,7 @@
           <a:p>
             <a:fld id="{985D6BDF-9D0E-4E2B-85B8-D8F4790360C9}" type="datetimeFigureOut">
               <a:rPr lang="en-US" smtClean="0"/>
-              <a:t>5/21/2019</a:t>
+              <a:t>5/22/2019</a:t>
             </a:fld>
             <a:endParaRPr lang="en-US" dirty="0"/>
           </a:p>
@@ -2912,13 +2912,10 @@
             </a:lvl9pPr>
           </a:lstStyle>
           <a:p>
-            <a:pPr eaLnBrk="1" hangingPunct="1"/>
-            <a:r>
-              <a:rPr lang="en-US" sz="2800" dirty="0">
-                <a:latin typeface="Calibri" pitchFamily="34" charset="0"/>
-              </a:rPr>
-              <a:t>   </a:t>
-            </a:r>
+            <a:pPr marL="457200" indent="-457200" eaLnBrk="1" hangingPunct="1">
+              <a:buFont typeface="Arial" panose="020B0604020202020204" pitchFamily="34" charset="0"/>
+              <a:buChar char="•"/>
+            </a:pPr>
             <a:r>
               <a:rPr lang="en-US" sz="3000" dirty="0">
                 <a:latin typeface="Calibri" pitchFamily="34" charset="0"/>
@@ -2927,12 +2924,27 @@
             </a:r>
           </a:p>
           <a:p>
-            <a:pPr eaLnBrk="1" hangingPunct="1"/>
+            <a:pPr marL="457200" indent="-457200" eaLnBrk="1" hangingPunct="1">
+              <a:buFont typeface="Arial" panose="020B0604020202020204" pitchFamily="34" charset="0"/>
+              <a:buChar char="•"/>
+            </a:pPr>
             <a:r>
               <a:rPr lang="en-US" sz="3000" dirty="0">
                 <a:latin typeface="Calibri" pitchFamily="34" charset="0"/>
               </a:rPr>
-              <a:t>   For many of these industries, the thermal properties of products are crucial to functionality. Therefore, it is critical to understand specific factors that influence these thermal properties.</a:t>
+              <a:t>For many of these industries, the thermal properties of products are crucial to functionality. Therefore, it is critical to understand specific factors that influence these thermal properties.</a:t>
+            </a:r>
+          </a:p>
+          <a:p>
+            <a:pPr marL="457200" indent="-457200" eaLnBrk="1" hangingPunct="1">
+              <a:buFont typeface="Arial" panose="020B0604020202020204" pitchFamily="34" charset="0"/>
+              <a:buChar char="•"/>
+            </a:pPr>
+            <a:r>
+              <a:rPr lang="en-US" sz="3000" dirty="0">
+                <a:latin typeface="Calibri" pitchFamily="34" charset="0"/>
+              </a:rPr>
+              <a:t>During the 3D printing process, thermal stresses creates distortions, known as warpage. Limited research has been done on solutions to the warpage problem in FDM printing.</a:t>
             </a:r>
           </a:p>
           <a:p>
@@ -2941,16 +2953,7 @@
               <a:rPr lang="en-US" sz="3000" dirty="0">
                 <a:latin typeface="Calibri" pitchFamily="34" charset="0"/>
               </a:rPr>
-              <a:t>   During the 3D printing process, thermal stresses creates distortions, known as warpage. Limited research has been done on solutions to the warpage problem in FDM printing.</a:t>
-            </a:r>
-          </a:p>
-          <a:p>
-            <a:pPr eaLnBrk="1" hangingPunct="1"/>
-            <a:r>
-              <a:rPr lang="en-US" sz="3000" dirty="0">
-                <a:latin typeface="Calibri" pitchFamily="34" charset="0"/>
-              </a:rPr>
-              <a:t>   This study aims to understand the relationship between infill parameters and the spatiotemporal temperature distribution during the printing process.</a:t>
+              <a:t>This study aims to understand the relationship between infill parameters and the spatiotemporal temperature distribution during the printing process.</a:t>
             </a:r>
           </a:p>
         </p:txBody>
@@ -3022,8 +3025,8 @@
         </p:nvSpPr>
         <p:spPr bwMode="auto">
           <a:xfrm>
-            <a:off x="11502203" y="14564486"/>
-            <a:ext cx="20848320" cy="4098501"/>
+            <a:off x="11521389" y="14564486"/>
+            <a:ext cx="20829133" cy="4357634"/>
           </a:xfrm>
           <a:prstGeom prst="rect">
             <a:avLst/>
@@ -3143,12 +3146,12 @@
             </a:lvl9pPr>
           </a:lstStyle>
           <a:p>
-            <a:pPr algn="ctr" eaLnBrk="1" hangingPunct="1"/>
+            <a:pPr eaLnBrk="1" hangingPunct="1"/>
             <a:r>
               <a:rPr lang="en-US" sz="3000" b="1" dirty="0">
                 <a:latin typeface="Calibri" pitchFamily="34" charset="0"/>
               </a:rPr>
-              <a:t>Table 2: </a:t>
+              <a:t> Table 2: </a:t>
             </a:r>
             <a:r>
               <a:rPr lang="en-US" sz="3000" dirty="0">
@@ -4501,7 +4504,7 @@
               </a:r>
               <a:r>
                 <a:rPr lang="en-US" sz="1600" dirty="0"/>
-                <a:t>Various Infill Percentages</a:t>
+                <a:t>Various infill percentages</a:t>
               </a:r>
             </a:p>
             <a:p>
@@ -5492,7 +5495,7 @@
             <p:spPr bwMode="auto">
               <a:xfrm>
                 <a:off x="33186119" y="1696401"/>
-                <a:ext cx="9144000" cy="10975843"/>
+                <a:ext cx="9144000" cy="11437508"/>
               </a:xfrm>
               <a:prstGeom prst="rect">
                 <a:avLst/>
@@ -5927,6 +5930,20 @@
               </a:p>
               <a:p>
                 <a:pPr eaLnBrk="1" hangingPunct="1"/>
+                <a:r>
+                  <a:rPr lang="en-US" sz="3000" b="1" dirty="0"/>
+                  <a:t>Table 2: </a:t>
+                </a:r>
+                <a:r>
+                  <a:rPr lang="en-US" sz="3000" dirty="0"/>
+                  <a:t>Welch’s Tests p-values and Test Statistics</a:t>
+                </a:r>
+                <a:endParaRPr lang="en-US" sz="3000" dirty="0">
+                  <a:latin typeface="Calibri" pitchFamily="34" charset="0"/>
+                </a:endParaRPr>
+              </a:p>
+              <a:p>
+                <a:pPr eaLnBrk="1" hangingPunct="1"/>
                 <a:endParaRPr lang="en-US" sz="3000" dirty="0">
                   <a:latin typeface="Calibri" pitchFamily="34" charset="0"/>
                 </a:endParaRPr>
@@ -6006,7 +6023,7 @@
             <p:spPr bwMode="auto">
               <a:xfrm>
                 <a:off x="33186119" y="1696401"/>
-                <a:ext cx="9144000" cy="10975843"/>
+                <a:ext cx="9144000" cy="11437508"/>
               </a:xfrm>
               <a:prstGeom prst="rect">
                 <a:avLst/>
@@ -6121,7 +6138,7 @@
         <p:spPr bwMode="auto">
           <a:xfrm>
             <a:off x="33186119" y="14616246"/>
-            <a:ext cx="9144000" cy="7171147"/>
+            <a:ext cx="9144000" cy="7478924"/>
           </a:xfrm>
           <a:prstGeom prst="rect">
             <a:avLst/>
@@ -6242,6 +6259,9 @@
           </a:lstStyle>
           <a:p>
             <a:pPr marL="457200" indent="-457200" eaLnBrk="1" hangingPunct="1">
+              <a:spcBef>
+                <a:spcPts val="1200"/>
+              </a:spcBef>
               <a:buFont typeface="Arial" panose="020B0604020202020204" pitchFamily="34" charset="0"/>
               <a:buChar char="•"/>
             </a:pPr>
@@ -6253,13 +6273,10 @@
             </a:r>
           </a:p>
           <a:p>
-            <a:pPr eaLnBrk="1" hangingPunct="1"/>
-            <a:endParaRPr lang="en-US" sz="2800" dirty="0">
-              <a:latin typeface="Calibri" pitchFamily="34" charset="0"/>
-            </a:endParaRPr>
-          </a:p>
-          <a:p>
             <a:pPr marL="457200" indent="-457200" eaLnBrk="1" hangingPunct="1">
+              <a:spcBef>
+                <a:spcPts val="1200"/>
+              </a:spcBef>
               <a:buFont typeface="Arial" panose="020B0604020202020204" pitchFamily="34" charset="0"/>
               <a:buChar char="•"/>
             </a:pPr>
@@ -6267,20 +6284,15 @@
               <a:rPr lang="en-US" sz="2800" dirty="0">
                 <a:latin typeface="Calibri" pitchFamily="34" charset="0"/>
               </a:rPr>
-              <a:t>This can be explained because theoretically, thermal conductivity increases with infill percentage since there is more plastic.</a:t>
+              <a:t>Figures 6, 7, and 8 show that as infill percentage increased, the “clustering” of the centers around the equilibrium point tended to increase as well, showing that greater infill percentages led to more uniformity in the temperature distribution.</a:t>
             </a:r>
           </a:p>
           <a:p>
-            <a:pPr marL="457200" indent="-457200" eaLnBrk="1" hangingPunct="1">
-              <a:buFont typeface="Arial" panose="020B0604020202020204" pitchFamily="34" charset="0"/>
-              <a:buChar char="•"/>
+            <a:pPr eaLnBrk="1" hangingPunct="1">
+              <a:spcBef>
+                <a:spcPts val="1200"/>
+              </a:spcBef>
             </a:pPr>
-            <a:endParaRPr lang="en-US" sz="2800" dirty="0">
-              <a:latin typeface="Calibri" pitchFamily="34" charset="0"/>
-            </a:endParaRPr>
-          </a:p>
-          <a:p>
-            <a:pPr eaLnBrk="1" hangingPunct="1"/>
             <a:r>
               <a:rPr lang="en-US" sz="2800" dirty="0">
                 <a:latin typeface="Calibri" pitchFamily="34" charset="0"/>
@@ -6369,8 +6381,8 @@
         </p:nvSpPr>
         <p:spPr bwMode="auto">
           <a:xfrm>
-            <a:off x="33186069" y="23340880"/>
-            <a:ext cx="9144000" cy="8586920"/>
+            <a:off x="33186069" y="24032633"/>
+            <a:ext cx="9144000" cy="7971367"/>
           </a:xfrm>
           <a:prstGeom prst="rect">
             <a:avLst/>
@@ -6491,6 +6503,9 @@
           </a:lstStyle>
           <a:p>
             <a:pPr marL="457200" indent="-457200" eaLnBrk="1" hangingPunct="1">
+              <a:spcBef>
+                <a:spcPts val="1200"/>
+              </a:spcBef>
               <a:buFont typeface="Arial" panose="020B0604020202020204" pitchFamily="34" charset="0"/>
               <a:buChar char="•"/>
             </a:pPr>
@@ -6503,15 +6518,9 @@
           </a:p>
           <a:p>
             <a:pPr marL="457200" indent="-457200" eaLnBrk="1" hangingPunct="1">
-              <a:buFont typeface="Arial" panose="020B0604020202020204" pitchFamily="34" charset="0"/>
-              <a:buChar char="•"/>
-            </a:pPr>
-            <a:endParaRPr lang="en-US" sz="3000" dirty="0">
-              <a:latin typeface="Calibri" pitchFamily="34" charset="0"/>
-            </a:endParaRPr>
-          </a:p>
-          <a:p>
-            <a:pPr marL="457200" indent="-457200" eaLnBrk="1" hangingPunct="1">
+              <a:spcBef>
+                <a:spcPts val="1200"/>
+              </a:spcBef>
               <a:buFont typeface="Arial" panose="020B0604020202020204" pitchFamily="34" charset="0"/>
               <a:buChar char="•"/>
             </a:pPr>
@@ -6524,23 +6533,17 @@
           </a:p>
           <a:p>
             <a:pPr marL="457200" indent="-457200" eaLnBrk="1" hangingPunct="1">
+              <a:spcBef>
+                <a:spcPts val="1200"/>
+              </a:spcBef>
               <a:buFont typeface="Arial" panose="020B0604020202020204" pitchFamily="34" charset="0"/>
               <a:buChar char="•"/>
             </a:pPr>
-            <a:endParaRPr lang="en-US" sz="3000" dirty="0">
-              <a:latin typeface="Calibri" pitchFamily="34" charset="0"/>
-            </a:endParaRPr>
-          </a:p>
-          <a:p>
-            <a:pPr marL="457200" indent="-457200" eaLnBrk="1" hangingPunct="1">
-              <a:buFont typeface="Arial" panose="020B0604020202020204" pitchFamily="34" charset="0"/>
-              <a:buChar char="•"/>
-            </a:pPr>
             <a:r>
               <a:rPr lang="en-US" sz="3000" dirty="0">
                 <a:latin typeface="Calibri" pitchFamily="34" charset="0"/>
               </a:rPr>
-              <a:t>As temperature is a scalar function, to actually be able to accurately analyze the temperature gradients in this experiment, the function must be known. Future research on finding this function using scattered, discrete temperature values can be conducted, such as by using Deep Learning models like Artificial Neural Networks to produce mapping functions for the data.</a:t>
+              <a:t>As temperature is a scalar function, to accurately analyze the temperature gradients in this experiment, the function must be known. Future research on finding this function using scattered, discrete temperature values can be conducted, such as by using Deep Learning models like Artificial Neural Networks to produce mapping functions for the data.</a:t>
             </a:r>
           </a:p>
         </p:txBody>
@@ -6559,7 +6562,7 @@
         </p:nvSpPr>
         <p:spPr>
           <a:xfrm>
-            <a:off x="33186019" y="22059634"/>
+            <a:off x="33186019" y="22751387"/>
             <a:ext cx="9144000" cy="1264196"/>
           </a:xfrm>
           <a:prstGeom prst="rect">
@@ -6909,7 +6912,7 @@
             </a:r>
             <a:r>
               <a:rPr lang="en-US" sz="2000" dirty="0"/>
-              <a:t>CAD Model of Template Disc</a:t>
+              <a:t>CAD model of template disc</a:t>
             </a:r>
             <a:endParaRPr lang="en-US" sz="2000" b="1" dirty="0"/>
           </a:p>
@@ -6950,7 +6953,7 @@
             </a:r>
             <a:r>
               <a:rPr lang="en-US" sz="2000" dirty="0"/>
-              <a:t>Embedding Thermistors during Printing</a:t>
+              <a:t>Embedding thermistors during printing</a:t>
             </a:r>
             <a:endParaRPr lang="en-US" sz="2000" b="1" dirty="0"/>
           </a:p>
@@ -7226,13 +7229,13 @@
           <p:nvPr>
             <p:extLst>
               <p:ext uri="{D42A27DB-BD31-4B8C-83A1-F6EECF244321}">
-                <p14:modId xmlns:p14="http://schemas.microsoft.com/office/powerpoint/2010/main" val="2284160622"/>
+                <p14:modId xmlns:p14="http://schemas.microsoft.com/office/powerpoint/2010/main" val="1683919661"/>
               </p:ext>
             </p:extLst>
           </p:nvPr>
         </p:nvGraphicFramePr>
         <p:xfrm>
-          <a:off x="16502930" y="15265156"/>
+          <a:off x="11787822" y="15407961"/>
           <a:ext cx="10885239" cy="2947747"/>
         </p:xfrm>
         <a:graphic>
@@ -9253,13 +9256,13 @@
           <p:nvPr>
             <p:extLst>
               <p:ext uri="{D42A27DB-BD31-4B8C-83A1-F6EECF244321}">
-                <p14:modId xmlns:p14="http://schemas.microsoft.com/office/powerpoint/2010/main" val="3592559122"/>
+                <p14:modId xmlns:p14="http://schemas.microsoft.com/office/powerpoint/2010/main" val="1838600439"/>
               </p:ext>
             </p:extLst>
           </p:nvPr>
         </p:nvGraphicFramePr>
         <p:xfrm>
-          <a:off x="33595666" y="7855229"/>
+          <a:off x="33595666" y="8305800"/>
           <a:ext cx="8324706" cy="4389120"/>
         </p:xfrm>
         <a:graphic>
@@ -9675,11 +9678,11 @@
             <a:pPr algn="ctr"/>
             <a:r>
               <a:rPr lang="en-US" sz="1800" b="1" dirty="0"/>
-              <a:t>Figure 6:</a:t>
+              <a:t>Figure 7:</a:t>
             </a:r>
             <a:r>
               <a:rPr lang="en-US" sz="1800" dirty="0"/>
-              <a:t> 20% Infill Temperature Centers, STD</a:t>
+              <a:t> 20% infill temperature centers, STD</a:t>
             </a:r>
             <a:r>
               <a:rPr lang="en-US" sz="1800" baseline="-25000" dirty="0"/>
@@ -9732,11 +9735,11 @@
             <a:pPr algn="ctr"/>
             <a:r>
               <a:rPr lang="en-US" sz="1800" b="1" dirty="0"/>
-              <a:t>Figure 5:</a:t>
+              <a:t>Figure 6:</a:t>
             </a:r>
             <a:r>
               <a:rPr lang="en-US" sz="1800" dirty="0"/>
-              <a:t> 10% Infill Temperature Centers, STD</a:t>
+              <a:t> 10% infill temperature centers, STD</a:t>
             </a:r>
             <a:r>
               <a:rPr lang="en-US" sz="1800" baseline="-25000" dirty="0"/>
@@ -9789,11 +9792,11 @@
             <a:pPr algn="ctr"/>
             <a:r>
               <a:rPr lang="en-US" sz="1800" b="1" dirty="0"/>
-              <a:t>Figure 7:</a:t>
+              <a:t>Figure 8:</a:t>
             </a:r>
             <a:r>
               <a:rPr lang="en-US" sz="1800" dirty="0"/>
-              <a:t> 30% Infill Temperature Centers, STD</a:t>
+              <a:t> 30% Infill temperature centers, STD</a:t>
             </a:r>
             <a:r>
               <a:rPr lang="en-US" sz="1800" baseline="-25000" dirty="0"/>
@@ -9923,6 +9926,83 @@
           </a:prstGeom>
         </p:spPr>
       </p:pic>
+      <p:pic>
+        <p:nvPicPr>
+          <p:cNvPr id="5" name="Picture 4" descr="A screenshot of a cell phone&#10;&#10;Description automatically generated">
+            <a:extLst>
+              <a:ext uri="{FF2B5EF4-FFF2-40B4-BE49-F238E27FC236}">
+                <a16:creationId xmlns:a16="http://schemas.microsoft.com/office/drawing/2014/main" id="{1FF163D6-2E97-4C56-AA05-BDB71AC74B8F}"/>
+              </a:ext>
+            </a:extLst>
+          </p:cNvPr>
+          <p:cNvPicPr>
+            <a:picLocks noChangeAspect="1"/>
+          </p:cNvPicPr>
+          <p:nvPr/>
+        </p:nvPicPr>
+        <p:blipFill>
+          <a:blip r:embed="rId11">
+            <a:extLst>
+              <a:ext uri="{28A0092B-C50C-407E-A947-70E740481C1C}">
+                <a14:useLocalDpi xmlns:a14="http://schemas.microsoft.com/office/drawing/2010/main" val="0"/>
+              </a:ext>
+            </a:extLst>
+          </a:blip>
+          <a:stretch>
+            <a:fillRect/>
+          </a:stretch>
+        </p:blipFill>
+        <p:spPr>
+          <a:xfrm>
+            <a:off x="26573308" y="14800322"/>
+            <a:ext cx="5642155" cy="3963975"/>
+          </a:xfrm>
+          <a:prstGeom prst="rect">
+            <a:avLst/>
+          </a:prstGeom>
+        </p:spPr>
+      </p:pic>
+      <p:sp>
+        <p:nvSpPr>
+          <p:cNvPr id="53" name="TextBox 52">
+            <a:extLst>
+              <a:ext uri="{FF2B5EF4-FFF2-40B4-BE49-F238E27FC236}">
+                <a16:creationId xmlns:a16="http://schemas.microsoft.com/office/drawing/2014/main" id="{646F93BA-02A5-47FD-B234-C75B7C4D49AB}"/>
+              </a:ext>
+            </a:extLst>
+          </p:cNvPr>
+          <p:cNvSpPr txBox="1"/>
+          <p:nvPr/>
+        </p:nvSpPr>
+        <p:spPr>
+          <a:xfrm>
+            <a:off x="23850600" y="15283933"/>
+            <a:ext cx="2587649" cy="1938992"/>
+          </a:xfrm>
+          <a:prstGeom prst="rect">
+            <a:avLst/>
+          </a:prstGeom>
+          <a:noFill/>
+        </p:spPr>
+        <p:txBody>
+          <a:bodyPr wrap="square" rtlCol="0">
+            <a:spAutoFit/>
+          </a:bodyPr>
+          <a:lstStyle/>
+          <a:p>
+            <a:pPr algn="ctr"/>
+            <a:r>
+              <a:rPr lang="en-US" sz="3000" b="1" dirty="0"/>
+              <a:t>Figure 5: </a:t>
+            </a:r>
+            <a:r>
+              <a:rPr lang="en-US" sz="3000" dirty="0"/>
+              <a:t>Graph of Temperature vs. Time for all thermistors</a:t>
+            </a:r>
+            <a:endParaRPr lang="en-US" sz="3000" b="1" dirty="0"/>
+          </a:p>
+        </p:txBody>
+      </p:sp>
     </p:spTree>
     <p:extLst>
       <p:ext uri="{BB962C8B-B14F-4D97-AF65-F5344CB8AC3E}">
